--- a/help/Presentation.pptx
+++ b/help/Presentation.pptx
@@ -6,6 +6,7 @@
   </p:sldMasterIdLst>
   <p:sldIdLst>
     <p:sldId id="257" r:id="rId2"/>
+    <p:sldId id="258" r:id="rId3"/>
   </p:sldIdLst>
   <p:sldSz cx="12192000" cy="6858000"/>
   <p:notesSz cx="6858000" cy="9144000"/>
@@ -104,6 +105,11 @@
       </a:defRPr>
     </a:lvl9pPr>
   </p:defaultTextStyle>
+  <p:extLst>
+    <p:ext uri="{EFAFB233-063F-42B5-8137-9DF3F51BA10A}">
+      <p15:sldGuideLst xmlns:p15="http://schemas.microsoft.com/office/powerpoint/2012/main"/>
+    </p:ext>
+  </p:extLst>
 </p:presentation>
 </file>
 
@@ -256,7 +262,7 @@
           <a:p>
             <a:fld id="{F8A36679-2C71-4A37-9900-8E9E71191CDA}" type="datetimeFigureOut">
               <a:rPr lang="LID4096" smtClean="0"/>
-              <a:t>04/08/2025</a:t>
+              <a:t>04/21/2025</a:t>
             </a:fld>
             <a:endParaRPr lang="LID4096"/>
           </a:p>
@@ -456,7 +462,7 @@
           <a:p>
             <a:fld id="{F8A36679-2C71-4A37-9900-8E9E71191CDA}" type="datetimeFigureOut">
               <a:rPr lang="LID4096" smtClean="0"/>
-              <a:t>04/08/2025</a:t>
+              <a:t>04/21/2025</a:t>
             </a:fld>
             <a:endParaRPr lang="LID4096"/>
           </a:p>
@@ -666,7 +672,7 @@
           <a:p>
             <a:fld id="{F8A36679-2C71-4A37-9900-8E9E71191CDA}" type="datetimeFigureOut">
               <a:rPr lang="LID4096" smtClean="0"/>
-              <a:t>04/08/2025</a:t>
+              <a:t>04/21/2025</a:t>
             </a:fld>
             <a:endParaRPr lang="LID4096"/>
           </a:p>
@@ -866,7 +872,7 @@
           <a:p>
             <a:fld id="{F8A36679-2C71-4A37-9900-8E9E71191CDA}" type="datetimeFigureOut">
               <a:rPr lang="LID4096" smtClean="0"/>
-              <a:t>04/08/2025</a:t>
+              <a:t>04/21/2025</a:t>
             </a:fld>
             <a:endParaRPr lang="LID4096"/>
           </a:p>
@@ -1142,7 +1148,7 @@
           <a:p>
             <a:fld id="{F8A36679-2C71-4A37-9900-8E9E71191CDA}" type="datetimeFigureOut">
               <a:rPr lang="LID4096" smtClean="0"/>
-              <a:t>04/08/2025</a:t>
+              <a:t>04/21/2025</a:t>
             </a:fld>
             <a:endParaRPr lang="LID4096"/>
           </a:p>
@@ -1410,7 +1416,7 @@
           <a:p>
             <a:fld id="{F8A36679-2C71-4A37-9900-8E9E71191CDA}" type="datetimeFigureOut">
               <a:rPr lang="LID4096" smtClean="0"/>
-              <a:t>04/08/2025</a:t>
+              <a:t>04/21/2025</a:t>
             </a:fld>
             <a:endParaRPr lang="LID4096"/>
           </a:p>
@@ -1825,7 +1831,7 @@
           <a:p>
             <a:fld id="{F8A36679-2C71-4A37-9900-8E9E71191CDA}" type="datetimeFigureOut">
               <a:rPr lang="LID4096" smtClean="0"/>
-              <a:t>04/08/2025</a:t>
+              <a:t>04/21/2025</a:t>
             </a:fld>
             <a:endParaRPr lang="LID4096"/>
           </a:p>
@@ -1967,7 +1973,7 @@
           <a:p>
             <a:fld id="{F8A36679-2C71-4A37-9900-8E9E71191CDA}" type="datetimeFigureOut">
               <a:rPr lang="LID4096" smtClean="0"/>
-              <a:t>04/08/2025</a:t>
+              <a:t>04/21/2025</a:t>
             </a:fld>
             <a:endParaRPr lang="LID4096"/>
           </a:p>
@@ -2080,7 +2086,7 @@
           <a:p>
             <a:fld id="{F8A36679-2C71-4A37-9900-8E9E71191CDA}" type="datetimeFigureOut">
               <a:rPr lang="LID4096" smtClean="0"/>
-              <a:t>04/08/2025</a:t>
+              <a:t>04/21/2025</a:t>
             </a:fld>
             <a:endParaRPr lang="LID4096"/>
           </a:p>
@@ -2393,7 +2399,7 @@
           <a:p>
             <a:fld id="{F8A36679-2C71-4A37-9900-8E9E71191CDA}" type="datetimeFigureOut">
               <a:rPr lang="LID4096" smtClean="0"/>
-              <a:t>04/08/2025</a:t>
+              <a:t>04/21/2025</a:t>
             </a:fld>
             <a:endParaRPr lang="LID4096"/>
           </a:p>
@@ -2682,7 +2688,7 @@
           <a:p>
             <a:fld id="{F8A36679-2C71-4A37-9900-8E9E71191CDA}" type="datetimeFigureOut">
               <a:rPr lang="LID4096" smtClean="0"/>
-              <a:t>04/08/2025</a:t>
+              <a:t>04/21/2025</a:t>
             </a:fld>
             <a:endParaRPr lang="LID4096"/>
           </a:p>
@@ -2925,7 +2931,7 @@
           <a:p>
             <a:fld id="{F8A36679-2C71-4A37-9900-8E9E71191CDA}" type="datetimeFigureOut">
               <a:rPr lang="LID4096" smtClean="0"/>
-              <a:t>04/08/2025</a:t>
+              <a:t>04/21/2025</a:t>
             </a:fld>
             <a:endParaRPr lang="LID4096"/>
           </a:p>
@@ -5277,6 +5283,2788 @@
     <p:extLst>
       <p:ext uri="{BB962C8B-B14F-4D97-AF65-F5344CB8AC3E}">
         <p14:creationId xmlns:p14="http://schemas.microsoft.com/office/powerpoint/2010/main" val="2896859107"/>
+      </p:ext>
+    </p:extLst>
+  </p:cSld>
+  <p:clrMapOvr>
+    <a:masterClrMapping/>
+  </p:clrMapOvr>
+</p:sld>
+</file>
+
+<file path=ppt/slides/slide2.xml><?xml version="1.0" encoding="utf-8"?>
+<p:sld xmlns:a="http://schemas.openxmlformats.org/drawingml/2006/main" xmlns:r="http://schemas.openxmlformats.org/officeDocument/2006/relationships" xmlns:p="http://schemas.openxmlformats.org/presentationml/2006/main">
+  <p:cSld>
+    <p:spTree>
+      <p:nvGrpSpPr>
+        <p:cNvPr id="1" name=""/>
+        <p:cNvGrpSpPr/>
+        <p:nvPr/>
+      </p:nvGrpSpPr>
+      <p:grpSpPr>
+        <a:xfrm>
+          <a:off x="0" y="0"/>
+          <a:ext cx="0" cy="0"/>
+          <a:chOff x="0" y="0"/>
+          <a:chExt cx="0" cy="0"/>
+        </a:xfrm>
+      </p:grpSpPr>
+      <p:sp>
+        <p:nvSpPr>
+          <p:cNvPr id="26" name="Rounded Rectangle 178">
+            <a:extLst>
+              <a:ext uri="{FF2B5EF4-FFF2-40B4-BE49-F238E27FC236}">
+                <a16:creationId xmlns:a16="http://schemas.microsoft.com/office/drawing/2014/main" id="{40508712-6301-6739-3502-1065B458C0E1}"/>
+              </a:ext>
+            </a:extLst>
+          </p:cNvPr>
+          <p:cNvSpPr/>
+          <p:nvPr/>
+        </p:nvSpPr>
+        <p:spPr bwMode="auto">
+          <a:xfrm>
+            <a:off x="6404259" y="3363106"/>
+            <a:ext cx="2377440" cy="1605652"/>
+          </a:xfrm>
+          <a:prstGeom prst="roundRect">
+            <a:avLst>
+              <a:gd name="adj" fmla="val 0"/>
+            </a:avLst>
+          </a:prstGeom>
+          <a:solidFill>
+            <a:schemeClr val="bg1">
+              <a:lumMod val="95000"/>
+            </a:schemeClr>
+          </a:solidFill>
+          <a:ln w="28575">
+            <a:noFill/>
+            <a:headEnd type="none" w="med" len="med"/>
+            <a:tailEnd type="none" w="med" len="med"/>
+          </a:ln>
+          <a:effectLst/>
+        </p:spPr>
+        <p:style>
+          <a:lnRef idx="1">
+            <a:schemeClr val="accent2"/>
+          </a:lnRef>
+          <a:fillRef idx="3">
+            <a:schemeClr val="accent2"/>
+          </a:fillRef>
+          <a:effectRef idx="2">
+            <a:schemeClr val="accent2"/>
+          </a:effectRef>
+          <a:fontRef idx="minor">
+            <a:schemeClr val="lt1"/>
+          </a:fontRef>
+        </p:style>
+        <p:txBody>
+          <a:bodyPr rot="0" spcFirstLastPara="0" vertOverflow="overflow" horzOverflow="overflow" vert="horz" wrap="square" lIns="182880" tIns="146304" rIns="182880" bIns="146304" numCol="1" spcCol="0" rtlCol="0" fromWordArt="0" anchor="t" anchorCtr="0" forceAA="0" compatLnSpc="1">
+            <a:prstTxWarp prst="textNoShape">
+              <a:avLst/>
+            </a:prstTxWarp>
+            <a:noAutofit/>
+          </a:bodyPr>
+          <a:lstStyle/>
+          <a:p>
+            <a:pPr defTabSz="932472" fontAlgn="base">
+              <a:spcBef>
+                <a:spcPct val="0"/>
+              </a:spcBef>
+              <a:spcAft>
+                <a:spcPct val="0"/>
+              </a:spcAft>
+            </a:pPr>
+            <a:endParaRPr lang="en-US" sz="2000" b="1" dirty="0" err="1">
+              <a:solidFill>
+                <a:srgbClr val="FFFFFF"/>
+              </a:solidFill>
+              <a:cs typeface="Segoe UI" pitchFamily="34" charset="0"/>
+            </a:endParaRPr>
+          </a:p>
+        </p:txBody>
+      </p:sp>
+      <p:grpSp>
+        <p:nvGrpSpPr>
+          <p:cNvPr id="30" name="Graphic 8">
+            <a:extLst>
+              <a:ext uri="{FF2B5EF4-FFF2-40B4-BE49-F238E27FC236}">
+                <a16:creationId xmlns:a16="http://schemas.microsoft.com/office/drawing/2014/main" id="{F4DC4016-DB1F-2B1D-C91E-B5098CA6AD05}"/>
+              </a:ext>
+            </a:extLst>
+          </p:cNvPr>
+          <p:cNvGrpSpPr/>
+          <p:nvPr/>
+        </p:nvGrpSpPr>
+        <p:grpSpPr>
+          <a:xfrm>
+            <a:off x="6570244" y="3542157"/>
+            <a:ext cx="365761" cy="294050"/>
+            <a:chOff x="5275818" y="4121141"/>
+            <a:chExt cx="365761" cy="294050"/>
+          </a:xfrm>
+        </p:grpSpPr>
+        <p:sp>
+          <p:nvSpPr>
+            <p:cNvPr id="31" name="Freeform: Shape 30">
+              <a:extLst>
+                <a:ext uri="{FF2B5EF4-FFF2-40B4-BE49-F238E27FC236}">
+                  <a16:creationId xmlns:a16="http://schemas.microsoft.com/office/drawing/2014/main" id="{146420AA-A01E-E875-99AB-F3CDE678FC0C}"/>
+                </a:ext>
+              </a:extLst>
+            </p:cNvPr>
+            <p:cNvSpPr/>
+            <p:nvPr/>
+          </p:nvSpPr>
+          <p:spPr>
+            <a:xfrm>
+              <a:off x="5275819" y="4199088"/>
+              <a:ext cx="365760" cy="216103"/>
+            </a:xfrm>
+            <a:custGeom>
+              <a:avLst/>
+              <a:gdLst>
+                <a:gd name="connsiteX0" fmla="*/ 0 w 365760"/>
+                <a:gd name="connsiteY0" fmla="*/ 0 h 216103"/>
+                <a:gd name="connsiteX1" fmla="*/ 365760 w 365760"/>
+                <a:gd name="connsiteY1" fmla="*/ 0 h 216103"/>
+                <a:gd name="connsiteX2" fmla="*/ 365760 w 365760"/>
+                <a:gd name="connsiteY2" fmla="*/ 0 h 216103"/>
+                <a:gd name="connsiteX3" fmla="*/ 365760 w 365760"/>
+                <a:gd name="connsiteY3" fmla="*/ 203911 h 216103"/>
+                <a:gd name="connsiteX4" fmla="*/ 353568 w 365760"/>
+                <a:gd name="connsiteY4" fmla="*/ 216103 h 216103"/>
+                <a:gd name="connsiteX5" fmla="*/ 12192 w 365760"/>
+                <a:gd name="connsiteY5" fmla="*/ 216103 h 216103"/>
+                <a:gd name="connsiteX6" fmla="*/ 0 w 365760"/>
+                <a:gd name="connsiteY6" fmla="*/ 203911 h 216103"/>
+                <a:gd name="connsiteX7" fmla="*/ 0 w 365760"/>
+                <a:gd name="connsiteY7" fmla="*/ 0 h 216103"/>
+                <a:gd name="connsiteX8" fmla="*/ 0 w 365760"/>
+                <a:gd name="connsiteY8" fmla="*/ 0 h 216103"/>
+              </a:gdLst>
+              <a:ahLst/>
+              <a:cxnLst>
+                <a:cxn ang="0">
+                  <a:pos x="connsiteX0" y="connsiteY0"/>
+                </a:cxn>
+                <a:cxn ang="0">
+                  <a:pos x="connsiteX1" y="connsiteY1"/>
+                </a:cxn>
+                <a:cxn ang="0">
+                  <a:pos x="connsiteX2" y="connsiteY2"/>
+                </a:cxn>
+                <a:cxn ang="0">
+                  <a:pos x="connsiteX3" y="connsiteY3"/>
+                </a:cxn>
+                <a:cxn ang="0">
+                  <a:pos x="connsiteX4" y="connsiteY4"/>
+                </a:cxn>
+                <a:cxn ang="0">
+                  <a:pos x="connsiteX5" y="connsiteY5"/>
+                </a:cxn>
+                <a:cxn ang="0">
+                  <a:pos x="connsiteX6" y="connsiteY6"/>
+                </a:cxn>
+                <a:cxn ang="0">
+                  <a:pos x="connsiteX7" y="connsiteY7"/>
+                </a:cxn>
+                <a:cxn ang="0">
+                  <a:pos x="connsiteX8" y="connsiteY8"/>
+                </a:cxn>
+              </a:cxnLst>
+              <a:rect l="l" t="t" r="r" b="b"/>
+              <a:pathLst>
+                <a:path w="365760" h="216103">
+                  <a:moveTo>
+                    <a:pt x="0" y="0"/>
+                  </a:moveTo>
+                  <a:lnTo>
+                    <a:pt x="365760" y="0"/>
+                  </a:lnTo>
+                  <a:lnTo>
+                    <a:pt x="365760" y="0"/>
+                  </a:lnTo>
+                  <a:lnTo>
+                    <a:pt x="365760" y="203911"/>
+                  </a:lnTo>
+                  <a:cubicBezTo>
+                    <a:pt x="365760" y="210645"/>
+                    <a:pt x="360302" y="216103"/>
+                    <a:pt x="353568" y="216103"/>
+                  </a:cubicBezTo>
+                  <a:lnTo>
+                    <a:pt x="12192" y="216103"/>
+                  </a:lnTo>
+                  <a:cubicBezTo>
+                    <a:pt x="5459" y="216103"/>
+                    <a:pt x="0" y="210645"/>
+                    <a:pt x="0" y="203911"/>
+                  </a:cubicBezTo>
+                  <a:lnTo>
+                    <a:pt x="0" y="0"/>
+                  </a:lnTo>
+                  <a:lnTo>
+                    <a:pt x="0" y="0"/>
+                  </a:lnTo>
+                  <a:close/>
+                </a:path>
+              </a:pathLst>
+            </a:custGeom>
+            <a:solidFill>
+              <a:srgbClr val="196B24">
+                <a:alpha val="80000"/>
+              </a:srgbClr>
+            </a:solidFill>
+            <a:ln w="20108" cap="flat">
+              <a:noFill/>
+              <a:prstDash val="solid"/>
+              <a:miter/>
+            </a:ln>
+          </p:spPr>
+          <p:txBody>
+            <a:bodyPr rtlCol="0" anchor="ctr"/>
+            <a:lstStyle/>
+            <a:p>
+              <a:endParaRPr lang="LID4096"/>
+            </a:p>
+          </p:txBody>
+        </p:sp>
+        <p:sp>
+          <p:nvSpPr>
+            <p:cNvPr id="32" name="Freeform: Shape 31">
+              <a:extLst>
+                <a:ext uri="{FF2B5EF4-FFF2-40B4-BE49-F238E27FC236}">
+                  <a16:creationId xmlns:a16="http://schemas.microsoft.com/office/drawing/2014/main" id="{39D8DDF5-50EB-73AC-9CD1-C2E1E2593332}"/>
+                </a:ext>
+              </a:extLst>
+            </p:cNvPr>
+            <p:cNvSpPr/>
+            <p:nvPr/>
+          </p:nvSpPr>
+          <p:spPr>
+            <a:xfrm>
+              <a:off x="5302417" y="4220567"/>
+              <a:ext cx="315508" cy="173004"/>
+            </a:xfrm>
+            <a:custGeom>
+              <a:avLst/>
+              <a:gdLst>
+                <a:gd name="connsiteX0" fmla="*/ 303317 w 315508"/>
+                <a:gd name="connsiteY0" fmla="*/ 0 h 173004"/>
+                <a:gd name="connsiteX1" fmla="*/ 315509 w 315508"/>
+                <a:gd name="connsiteY1" fmla="*/ 0 h 173004"/>
+                <a:gd name="connsiteX2" fmla="*/ 315509 w 315508"/>
+                <a:gd name="connsiteY2" fmla="*/ 173004 h 173004"/>
+                <a:gd name="connsiteX3" fmla="*/ 303317 w 315508"/>
+                <a:gd name="connsiteY3" fmla="*/ 173004 h 173004"/>
+                <a:gd name="connsiteX4" fmla="*/ 12192 w 315508"/>
+                <a:gd name="connsiteY4" fmla="*/ 173004 h 173004"/>
+                <a:gd name="connsiteX5" fmla="*/ 0 w 315508"/>
+                <a:gd name="connsiteY5" fmla="*/ 173004 h 173004"/>
+                <a:gd name="connsiteX6" fmla="*/ 0 w 315508"/>
+                <a:gd name="connsiteY6" fmla="*/ 0 h 173004"/>
+                <a:gd name="connsiteX7" fmla="*/ 12192 w 315508"/>
+                <a:gd name="connsiteY7" fmla="*/ 0 h 173004"/>
+              </a:gdLst>
+              <a:ahLst/>
+              <a:cxnLst>
+                <a:cxn ang="0">
+                  <a:pos x="connsiteX0" y="connsiteY0"/>
+                </a:cxn>
+                <a:cxn ang="0">
+                  <a:pos x="connsiteX1" y="connsiteY1"/>
+                </a:cxn>
+                <a:cxn ang="0">
+                  <a:pos x="connsiteX2" y="connsiteY2"/>
+                </a:cxn>
+                <a:cxn ang="0">
+                  <a:pos x="connsiteX3" y="connsiteY3"/>
+                </a:cxn>
+                <a:cxn ang="0">
+                  <a:pos x="connsiteX4" y="connsiteY4"/>
+                </a:cxn>
+                <a:cxn ang="0">
+                  <a:pos x="connsiteX5" y="connsiteY5"/>
+                </a:cxn>
+                <a:cxn ang="0">
+                  <a:pos x="connsiteX6" y="connsiteY6"/>
+                </a:cxn>
+                <a:cxn ang="0">
+                  <a:pos x="connsiteX7" y="connsiteY7"/>
+                </a:cxn>
+              </a:cxnLst>
+              <a:rect l="l" t="t" r="r" b="b"/>
+              <a:pathLst>
+                <a:path w="315508" h="173004">
+                  <a:moveTo>
+                    <a:pt x="303317" y="0"/>
+                  </a:moveTo>
+                  <a:cubicBezTo>
+                    <a:pt x="310050" y="0"/>
+                    <a:pt x="315509" y="0"/>
+                    <a:pt x="315509" y="0"/>
+                  </a:cubicBezTo>
+                  <a:lnTo>
+                    <a:pt x="315509" y="173004"/>
+                  </a:lnTo>
+                  <a:cubicBezTo>
+                    <a:pt x="315509" y="173004"/>
+                    <a:pt x="310050" y="173004"/>
+                    <a:pt x="303317" y="173004"/>
+                  </a:cubicBezTo>
+                  <a:lnTo>
+                    <a:pt x="12192" y="173004"/>
+                  </a:lnTo>
+                  <a:cubicBezTo>
+                    <a:pt x="5459" y="173004"/>
+                    <a:pt x="0" y="173004"/>
+                    <a:pt x="0" y="173004"/>
+                  </a:cubicBezTo>
+                  <a:lnTo>
+                    <a:pt x="0" y="0"/>
+                  </a:lnTo>
+                  <a:cubicBezTo>
+                    <a:pt x="0" y="0"/>
+                    <a:pt x="5459" y="0"/>
+                    <a:pt x="12192" y="0"/>
+                  </a:cubicBezTo>
+                  <a:close/>
+                </a:path>
+              </a:pathLst>
+            </a:custGeom>
+            <a:solidFill>
+              <a:srgbClr val="196B24">
+                <a:alpha val="60000"/>
+              </a:srgbClr>
+            </a:solidFill>
+            <a:ln w="20108" cap="flat">
+              <a:noFill/>
+              <a:prstDash val="solid"/>
+              <a:miter/>
+            </a:ln>
+          </p:spPr>
+          <p:txBody>
+            <a:bodyPr rtlCol="0" anchor="ctr"/>
+            <a:lstStyle/>
+            <a:p>
+              <a:endParaRPr lang="LID4096"/>
+            </a:p>
+          </p:txBody>
+        </p:sp>
+        <p:sp>
+          <p:nvSpPr>
+            <p:cNvPr id="33" name="Freeform: Shape 32">
+              <a:extLst>
+                <a:ext uri="{FF2B5EF4-FFF2-40B4-BE49-F238E27FC236}">
+                  <a16:creationId xmlns:a16="http://schemas.microsoft.com/office/drawing/2014/main" id="{F7F51181-904F-C957-98A7-C8F04E8E5AFE}"/>
+                </a:ext>
+              </a:extLst>
+            </p:cNvPr>
+            <p:cNvSpPr/>
+            <p:nvPr/>
+          </p:nvSpPr>
+          <p:spPr>
+            <a:xfrm>
+              <a:off x="5275818" y="4121141"/>
+              <a:ext cx="365760" cy="77947"/>
+            </a:xfrm>
+            <a:custGeom>
+              <a:avLst/>
+              <a:gdLst>
+                <a:gd name="connsiteX0" fmla="*/ 12192 w 365760"/>
+                <a:gd name="connsiteY0" fmla="*/ 0 h 77947"/>
+                <a:gd name="connsiteX1" fmla="*/ 353568 w 365760"/>
+                <a:gd name="connsiteY1" fmla="*/ 0 h 77947"/>
+                <a:gd name="connsiteX2" fmla="*/ 365760 w 365760"/>
+                <a:gd name="connsiteY2" fmla="*/ 12192 h 77947"/>
+                <a:gd name="connsiteX3" fmla="*/ 365760 w 365760"/>
+                <a:gd name="connsiteY3" fmla="*/ 77948 h 77947"/>
+                <a:gd name="connsiteX4" fmla="*/ 365760 w 365760"/>
+                <a:gd name="connsiteY4" fmla="*/ 77948 h 77947"/>
+                <a:gd name="connsiteX5" fmla="*/ 0 w 365760"/>
+                <a:gd name="connsiteY5" fmla="*/ 77948 h 77947"/>
+                <a:gd name="connsiteX6" fmla="*/ 0 w 365760"/>
+                <a:gd name="connsiteY6" fmla="*/ 77948 h 77947"/>
+                <a:gd name="connsiteX7" fmla="*/ 0 w 365760"/>
+                <a:gd name="connsiteY7" fmla="*/ 12212 h 77947"/>
+                <a:gd name="connsiteX8" fmla="*/ 12172 w 365760"/>
+                <a:gd name="connsiteY8" fmla="*/ 0 h 77947"/>
+                <a:gd name="connsiteX9" fmla="*/ 12192 w 365760"/>
+                <a:gd name="connsiteY9" fmla="*/ 0 h 77947"/>
+              </a:gdLst>
+              <a:ahLst/>
+              <a:cxnLst>
+                <a:cxn ang="0">
+                  <a:pos x="connsiteX0" y="connsiteY0"/>
+                </a:cxn>
+                <a:cxn ang="0">
+                  <a:pos x="connsiteX1" y="connsiteY1"/>
+                </a:cxn>
+                <a:cxn ang="0">
+                  <a:pos x="connsiteX2" y="connsiteY2"/>
+                </a:cxn>
+                <a:cxn ang="0">
+                  <a:pos x="connsiteX3" y="connsiteY3"/>
+                </a:cxn>
+                <a:cxn ang="0">
+                  <a:pos x="connsiteX4" y="connsiteY4"/>
+                </a:cxn>
+                <a:cxn ang="0">
+                  <a:pos x="connsiteX5" y="connsiteY5"/>
+                </a:cxn>
+                <a:cxn ang="0">
+                  <a:pos x="connsiteX6" y="connsiteY6"/>
+                </a:cxn>
+                <a:cxn ang="0">
+                  <a:pos x="connsiteX7" y="connsiteY7"/>
+                </a:cxn>
+                <a:cxn ang="0">
+                  <a:pos x="connsiteX8" y="connsiteY8"/>
+                </a:cxn>
+                <a:cxn ang="0">
+                  <a:pos x="connsiteX9" y="connsiteY9"/>
+                </a:cxn>
+              </a:cxnLst>
+              <a:rect l="l" t="t" r="r" b="b"/>
+              <a:pathLst>
+                <a:path w="365760" h="77947">
+                  <a:moveTo>
+                    <a:pt x="12192" y="0"/>
+                  </a:moveTo>
+                  <a:lnTo>
+                    <a:pt x="353568" y="0"/>
+                  </a:lnTo>
+                  <a:cubicBezTo>
+                    <a:pt x="360302" y="0"/>
+                    <a:pt x="365760" y="5459"/>
+                    <a:pt x="365760" y="12192"/>
+                  </a:cubicBezTo>
+                  <a:lnTo>
+                    <a:pt x="365760" y="77948"/>
+                  </a:lnTo>
+                  <a:lnTo>
+                    <a:pt x="365760" y="77948"/>
+                  </a:lnTo>
+                  <a:lnTo>
+                    <a:pt x="0" y="77948"/>
+                  </a:lnTo>
+                  <a:lnTo>
+                    <a:pt x="0" y="77948"/>
+                  </a:lnTo>
+                  <a:lnTo>
+                    <a:pt x="0" y="12212"/>
+                  </a:lnTo>
+                  <a:cubicBezTo>
+                    <a:pt x="-11" y="5479"/>
+                    <a:pt x="5438" y="11"/>
+                    <a:pt x="12172" y="0"/>
+                  </a:cubicBezTo>
+                  <a:cubicBezTo>
+                    <a:pt x="12178" y="0"/>
+                    <a:pt x="12185" y="0"/>
+                    <a:pt x="12192" y="0"/>
+                  </a:cubicBezTo>
+                  <a:close/>
+                </a:path>
+              </a:pathLst>
+            </a:custGeom>
+            <a:solidFill>
+              <a:srgbClr val="196B24"/>
+            </a:solidFill>
+            <a:ln w="20108" cap="flat">
+              <a:noFill/>
+              <a:prstDash val="solid"/>
+              <a:miter/>
+            </a:ln>
+          </p:spPr>
+          <p:txBody>
+            <a:bodyPr rtlCol="0" anchor="ctr"/>
+            <a:lstStyle/>
+            <a:p>
+              <a:endParaRPr lang="LID4096"/>
+            </a:p>
+          </p:txBody>
+        </p:sp>
+        <p:sp>
+          <p:nvSpPr>
+            <p:cNvPr id="34" name="Freeform: Shape 33">
+              <a:extLst>
+                <a:ext uri="{FF2B5EF4-FFF2-40B4-BE49-F238E27FC236}">
+                  <a16:creationId xmlns:a16="http://schemas.microsoft.com/office/drawing/2014/main" id="{565DDBC9-E1D0-BD65-1DDB-449CE1434FBA}"/>
+                </a:ext>
+              </a:extLst>
+            </p:cNvPr>
+            <p:cNvSpPr/>
+            <p:nvPr/>
+          </p:nvSpPr>
+          <p:spPr>
+            <a:xfrm>
+              <a:off x="5360616" y="4298149"/>
+              <a:ext cx="193543" cy="63090"/>
+            </a:xfrm>
+            <a:custGeom>
+              <a:avLst/>
+              <a:gdLst>
+                <a:gd name="connsiteX0" fmla="*/ 59657 w 193543"/>
+                <a:gd name="connsiteY0" fmla="*/ 55717 h 63090"/>
+                <a:gd name="connsiteX1" fmla="*/ 53134 w 193543"/>
+                <a:gd name="connsiteY1" fmla="*/ 62220 h 63090"/>
+                <a:gd name="connsiteX2" fmla="*/ 48996 w 193543"/>
+                <a:gd name="connsiteY2" fmla="*/ 62248 h 63090"/>
+                <a:gd name="connsiteX3" fmla="*/ 48969 w 193543"/>
+                <a:gd name="connsiteY3" fmla="*/ 62220 h 63090"/>
+                <a:gd name="connsiteX4" fmla="*/ 1725 w 193543"/>
+                <a:gd name="connsiteY4" fmla="*/ 14834 h 63090"/>
+                <a:gd name="connsiteX5" fmla="*/ 1725 w 193543"/>
+                <a:gd name="connsiteY5" fmla="*/ 6502 h 63090"/>
+                <a:gd name="connsiteX6" fmla="*/ 8247 w 193543"/>
+                <a:gd name="connsiteY6" fmla="*/ 0 h 63090"/>
+                <a:gd name="connsiteX7" fmla="*/ 59677 w 193543"/>
+                <a:gd name="connsiteY7" fmla="*/ 51552 h 63090"/>
+                <a:gd name="connsiteX8" fmla="*/ 59657 w 193543"/>
+                <a:gd name="connsiteY8" fmla="*/ 55717 h 63090"/>
+                <a:gd name="connsiteX9" fmla="*/ 133886 w 193543"/>
+                <a:gd name="connsiteY9" fmla="*/ 55717 h 63090"/>
+                <a:gd name="connsiteX10" fmla="*/ 140409 w 193543"/>
+                <a:gd name="connsiteY10" fmla="*/ 62220 h 63090"/>
+                <a:gd name="connsiteX11" fmla="*/ 144546 w 193543"/>
+                <a:gd name="connsiteY11" fmla="*/ 62248 h 63090"/>
+                <a:gd name="connsiteX12" fmla="*/ 144574 w 193543"/>
+                <a:gd name="connsiteY12" fmla="*/ 62220 h 63090"/>
+                <a:gd name="connsiteX13" fmla="*/ 191818 w 193543"/>
+                <a:gd name="connsiteY13" fmla="*/ 14834 h 63090"/>
+                <a:gd name="connsiteX14" fmla="*/ 191818 w 193543"/>
+                <a:gd name="connsiteY14" fmla="*/ 6502 h 63090"/>
+                <a:gd name="connsiteX15" fmla="*/ 185275 w 193543"/>
+                <a:gd name="connsiteY15" fmla="*/ 0 h 63090"/>
+                <a:gd name="connsiteX16" fmla="*/ 133866 w 193543"/>
+                <a:gd name="connsiteY16" fmla="*/ 51552 h 63090"/>
+                <a:gd name="connsiteX17" fmla="*/ 133886 w 193543"/>
+                <a:gd name="connsiteY17" fmla="*/ 55717 h 63090"/>
+              </a:gdLst>
+              <a:ahLst/>
+              <a:cxnLst>
+                <a:cxn ang="0">
+                  <a:pos x="connsiteX0" y="connsiteY0"/>
+                </a:cxn>
+                <a:cxn ang="0">
+                  <a:pos x="connsiteX1" y="connsiteY1"/>
+                </a:cxn>
+                <a:cxn ang="0">
+                  <a:pos x="connsiteX2" y="connsiteY2"/>
+                </a:cxn>
+                <a:cxn ang="0">
+                  <a:pos x="connsiteX3" y="connsiteY3"/>
+                </a:cxn>
+                <a:cxn ang="0">
+                  <a:pos x="connsiteX4" y="connsiteY4"/>
+                </a:cxn>
+                <a:cxn ang="0">
+                  <a:pos x="connsiteX5" y="connsiteY5"/>
+                </a:cxn>
+                <a:cxn ang="0">
+                  <a:pos x="connsiteX6" y="connsiteY6"/>
+                </a:cxn>
+                <a:cxn ang="0">
+                  <a:pos x="connsiteX7" y="connsiteY7"/>
+                </a:cxn>
+                <a:cxn ang="0">
+                  <a:pos x="connsiteX8" y="connsiteY8"/>
+                </a:cxn>
+                <a:cxn ang="0">
+                  <a:pos x="connsiteX9" y="connsiteY9"/>
+                </a:cxn>
+                <a:cxn ang="0">
+                  <a:pos x="connsiteX10" y="connsiteY10"/>
+                </a:cxn>
+                <a:cxn ang="0">
+                  <a:pos x="connsiteX11" y="connsiteY11"/>
+                </a:cxn>
+                <a:cxn ang="0">
+                  <a:pos x="connsiteX12" y="connsiteY12"/>
+                </a:cxn>
+                <a:cxn ang="0">
+                  <a:pos x="connsiteX13" y="connsiteY13"/>
+                </a:cxn>
+                <a:cxn ang="0">
+                  <a:pos x="connsiteX14" y="connsiteY14"/>
+                </a:cxn>
+                <a:cxn ang="0">
+                  <a:pos x="connsiteX15" y="connsiteY15"/>
+                </a:cxn>
+                <a:cxn ang="0">
+                  <a:pos x="connsiteX16" y="connsiteY16"/>
+                </a:cxn>
+                <a:cxn ang="0">
+                  <a:pos x="connsiteX17" y="connsiteY17"/>
+                </a:cxn>
+              </a:cxnLst>
+              <a:rect l="l" t="t" r="r" b="b"/>
+              <a:pathLst>
+                <a:path w="193543" h="63090">
+                  <a:moveTo>
+                    <a:pt x="59657" y="55717"/>
+                  </a:moveTo>
+                  <a:lnTo>
+                    <a:pt x="53134" y="62220"/>
+                  </a:lnTo>
+                  <a:cubicBezTo>
+                    <a:pt x="51999" y="63370"/>
+                    <a:pt x="50147" y="63382"/>
+                    <a:pt x="48996" y="62248"/>
+                  </a:cubicBezTo>
+                  <a:cubicBezTo>
+                    <a:pt x="48987" y="62238"/>
+                    <a:pt x="48978" y="62230"/>
+                    <a:pt x="48969" y="62220"/>
+                  </a:cubicBezTo>
+                  <a:lnTo>
+                    <a:pt x="1725" y="14834"/>
+                  </a:lnTo>
+                  <a:cubicBezTo>
+                    <a:pt x="-575" y="12533"/>
+                    <a:pt x="-575" y="8803"/>
+                    <a:pt x="1725" y="6502"/>
+                  </a:cubicBezTo>
+                  <a:lnTo>
+                    <a:pt x="8247" y="0"/>
+                  </a:lnTo>
+                  <a:lnTo>
+                    <a:pt x="59677" y="51552"/>
+                  </a:lnTo>
+                  <a:cubicBezTo>
+                    <a:pt x="60822" y="52708"/>
+                    <a:pt x="60812" y="54573"/>
+                    <a:pt x="59657" y="55717"/>
+                  </a:cubicBezTo>
+                  <a:close/>
+                  <a:moveTo>
+                    <a:pt x="133886" y="55717"/>
+                  </a:moveTo>
+                  <a:lnTo>
+                    <a:pt x="140409" y="62220"/>
+                  </a:lnTo>
+                  <a:cubicBezTo>
+                    <a:pt x="141545" y="63370"/>
+                    <a:pt x="143396" y="63382"/>
+                    <a:pt x="144546" y="62248"/>
+                  </a:cubicBezTo>
+                  <a:cubicBezTo>
+                    <a:pt x="144556" y="62238"/>
+                    <a:pt x="144564" y="62230"/>
+                    <a:pt x="144574" y="62220"/>
+                  </a:cubicBezTo>
+                  <a:lnTo>
+                    <a:pt x="191818" y="14834"/>
+                  </a:lnTo>
+                  <a:cubicBezTo>
+                    <a:pt x="194119" y="12533"/>
+                    <a:pt x="194119" y="8803"/>
+                    <a:pt x="191818" y="6502"/>
+                  </a:cubicBezTo>
+                  <a:lnTo>
+                    <a:pt x="185275" y="0"/>
+                  </a:lnTo>
+                  <a:lnTo>
+                    <a:pt x="133866" y="51552"/>
+                  </a:lnTo>
+                  <a:cubicBezTo>
+                    <a:pt x="132722" y="52708"/>
+                    <a:pt x="132730" y="54573"/>
+                    <a:pt x="133886" y="55717"/>
+                  </a:cubicBezTo>
+                  <a:close/>
+                </a:path>
+              </a:pathLst>
+            </a:custGeom>
+            <a:solidFill>
+              <a:srgbClr val="FFFFFF">
+                <a:alpha val="80000"/>
+              </a:srgbClr>
+            </a:solidFill>
+            <a:ln w="20108" cap="flat">
+              <a:noFill/>
+              <a:prstDash val="solid"/>
+              <a:miter/>
+            </a:ln>
+          </p:spPr>
+          <p:txBody>
+            <a:bodyPr rtlCol="0" anchor="ctr"/>
+            <a:lstStyle/>
+            <a:p>
+              <a:endParaRPr lang="LID4096"/>
+            </a:p>
+          </p:txBody>
+        </p:sp>
+        <p:sp>
+          <p:nvSpPr>
+            <p:cNvPr id="35" name="Freeform: Shape 34">
+              <a:extLst>
+                <a:ext uri="{FF2B5EF4-FFF2-40B4-BE49-F238E27FC236}">
+                  <a16:creationId xmlns:a16="http://schemas.microsoft.com/office/drawing/2014/main" id="{7AD44ED3-A361-6AED-DAC5-B2807D314CF5}"/>
+                </a:ext>
+              </a:extLst>
+            </p:cNvPr>
+            <p:cNvSpPr/>
+            <p:nvPr/>
+          </p:nvSpPr>
+          <p:spPr>
+            <a:xfrm>
+              <a:off x="5360567" y="4255783"/>
+              <a:ext cx="193584" cy="63742"/>
+            </a:xfrm>
+            <a:custGeom>
+              <a:avLst/>
+              <a:gdLst>
+                <a:gd name="connsiteX0" fmla="*/ 54057 w 193584"/>
+                <a:gd name="connsiteY0" fmla="*/ 873 h 63742"/>
+                <a:gd name="connsiteX1" fmla="*/ 60560 w 193584"/>
+                <a:gd name="connsiteY1" fmla="*/ 7395 h 63742"/>
+                <a:gd name="connsiteX2" fmla="*/ 60587 w 193584"/>
+                <a:gd name="connsiteY2" fmla="*/ 11533 h 63742"/>
+                <a:gd name="connsiteX3" fmla="*/ 60560 w 193584"/>
+                <a:gd name="connsiteY3" fmla="*/ 11561 h 63742"/>
+                <a:gd name="connsiteX4" fmla="*/ 8236 w 193584"/>
+                <a:gd name="connsiteY4" fmla="*/ 63743 h 63742"/>
+                <a:gd name="connsiteX5" fmla="*/ 1733 w 193584"/>
+                <a:gd name="connsiteY5" fmla="*/ 57200 h 63742"/>
+                <a:gd name="connsiteX6" fmla="*/ 1707 w 193584"/>
+                <a:gd name="connsiteY6" fmla="*/ 48895 h 63742"/>
+                <a:gd name="connsiteX7" fmla="*/ 1733 w 193584"/>
+                <a:gd name="connsiteY7" fmla="*/ 48868 h 63742"/>
+                <a:gd name="connsiteX8" fmla="*/ 49892 w 193584"/>
+                <a:gd name="connsiteY8" fmla="*/ 852 h 63742"/>
+                <a:gd name="connsiteX9" fmla="*/ 54057 w 193584"/>
+                <a:gd name="connsiteY9" fmla="*/ 873 h 63742"/>
+                <a:gd name="connsiteX10" fmla="*/ 139543 w 193584"/>
+                <a:gd name="connsiteY10" fmla="*/ 873 h 63742"/>
+                <a:gd name="connsiteX11" fmla="*/ 133041 w 193584"/>
+                <a:gd name="connsiteY11" fmla="*/ 7395 h 63742"/>
+                <a:gd name="connsiteX12" fmla="*/ 133013 w 193584"/>
+                <a:gd name="connsiteY12" fmla="*/ 11533 h 63742"/>
+                <a:gd name="connsiteX13" fmla="*/ 133041 w 193584"/>
+                <a:gd name="connsiteY13" fmla="*/ 11561 h 63742"/>
+                <a:gd name="connsiteX14" fmla="*/ 185365 w 193584"/>
+                <a:gd name="connsiteY14" fmla="*/ 63743 h 63742"/>
+                <a:gd name="connsiteX15" fmla="*/ 191867 w 193584"/>
+                <a:gd name="connsiteY15" fmla="*/ 57220 h 63742"/>
+                <a:gd name="connsiteX16" fmla="*/ 191867 w 193584"/>
+                <a:gd name="connsiteY16" fmla="*/ 48868 h 63742"/>
+                <a:gd name="connsiteX17" fmla="*/ 143709 w 193584"/>
+                <a:gd name="connsiteY17" fmla="*/ 873 h 63742"/>
+                <a:gd name="connsiteX18" fmla="*/ 139572 w 193584"/>
+                <a:gd name="connsiteY18" fmla="*/ 865 h 63742"/>
+                <a:gd name="connsiteX19" fmla="*/ 139543 w 193584"/>
+                <a:gd name="connsiteY19" fmla="*/ 893 h 63742"/>
+              </a:gdLst>
+              <a:ahLst/>
+              <a:cxnLst>
+                <a:cxn ang="0">
+                  <a:pos x="connsiteX0" y="connsiteY0"/>
+                </a:cxn>
+                <a:cxn ang="0">
+                  <a:pos x="connsiteX1" y="connsiteY1"/>
+                </a:cxn>
+                <a:cxn ang="0">
+                  <a:pos x="connsiteX2" y="connsiteY2"/>
+                </a:cxn>
+                <a:cxn ang="0">
+                  <a:pos x="connsiteX3" y="connsiteY3"/>
+                </a:cxn>
+                <a:cxn ang="0">
+                  <a:pos x="connsiteX4" y="connsiteY4"/>
+                </a:cxn>
+                <a:cxn ang="0">
+                  <a:pos x="connsiteX5" y="connsiteY5"/>
+                </a:cxn>
+                <a:cxn ang="0">
+                  <a:pos x="connsiteX6" y="connsiteY6"/>
+                </a:cxn>
+                <a:cxn ang="0">
+                  <a:pos x="connsiteX7" y="connsiteY7"/>
+                </a:cxn>
+                <a:cxn ang="0">
+                  <a:pos x="connsiteX8" y="connsiteY8"/>
+                </a:cxn>
+                <a:cxn ang="0">
+                  <a:pos x="connsiteX9" y="connsiteY9"/>
+                </a:cxn>
+                <a:cxn ang="0">
+                  <a:pos x="connsiteX10" y="connsiteY10"/>
+                </a:cxn>
+                <a:cxn ang="0">
+                  <a:pos x="connsiteX11" y="connsiteY11"/>
+                </a:cxn>
+                <a:cxn ang="0">
+                  <a:pos x="connsiteX12" y="connsiteY12"/>
+                </a:cxn>
+                <a:cxn ang="0">
+                  <a:pos x="connsiteX13" y="connsiteY13"/>
+                </a:cxn>
+                <a:cxn ang="0">
+                  <a:pos x="connsiteX14" y="connsiteY14"/>
+                </a:cxn>
+                <a:cxn ang="0">
+                  <a:pos x="connsiteX15" y="connsiteY15"/>
+                </a:cxn>
+                <a:cxn ang="0">
+                  <a:pos x="connsiteX16" y="connsiteY16"/>
+                </a:cxn>
+                <a:cxn ang="0">
+                  <a:pos x="connsiteX17" y="connsiteY17"/>
+                </a:cxn>
+                <a:cxn ang="0">
+                  <a:pos x="connsiteX18" y="connsiteY18"/>
+                </a:cxn>
+                <a:cxn ang="0">
+                  <a:pos x="connsiteX19" y="connsiteY19"/>
+                </a:cxn>
+              </a:cxnLst>
+              <a:rect l="l" t="t" r="r" b="b"/>
+              <a:pathLst>
+                <a:path w="193584" h="63742">
+                  <a:moveTo>
+                    <a:pt x="54057" y="873"/>
+                  </a:moveTo>
+                  <a:lnTo>
+                    <a:pt x="60560" y="7395"/>
+                  </a:lnTo>
+                  <a:cubicBezTo>
+                    <a:pt x="61710" y="8530"/>
+                    <a:pt x="61722" y="10383"/>
+                    <a:pt x="60587" y="11533"/>
+                  </a:cubicBezTo>
+                  <a:cubicBezTo>
+                    <a:pt x="60578" y="11543"/>
+                    <a:pt x="60569" y="11552"/>
+                    <a:pt x="60560" y="11561"/>
+                  </a:cubicBezTo>
+                  <a:lnTo>
+                    <a:pt x="8236" y="63743"/>
+                  </a:lnTo>
+                  <a:lnTo>
+                    <a:pt x="1733" y="57200"/>
+                  </a:lnTo>
+                  <a:cubicBezTo>
+                    <a:pt x="-567" y="54914"/>
+                    <a:pt x="-579" y="51195"/>
+                    <a:pt x="1707" y="48895"/>
+                  </a:cubicBezTo>
+                  <a:cubicBezTo>
+                    <a:pt x="1716" y="48887"/>
+                    <a:pt x="1724" y="48877"/>
+                    <a:pt x="1733" y="48868"/>
+                  </a:cubicBezTo>
+                  <a:lnTo>
+                    <a:pt x="49892" y="852"/>
+                  </a:lnTo>
+                  <a:cubicBezTo>
+                    <a:pt x="51048" y="-292"/>
+                    <a:pt x="52912" y="-283"/>
+                    <a:pt x="54057" y="873"/>
+                  </a:cubicBezTo>
+                  <a:close/>
+                  <a:moveTo>
+                    <a:pt x="139543" y="873"/>
+                  </a:moveTo>
+                  <a:lnTo>
+                    <a:pt x="133041" y="7395"/>
+                  </a:lnTo>
+                  <a:cubicBezTo>
+                    <a:pt x="131891" y="8530"/>
+                    <a:pt x="131879" y="10383"/>
+                    <a:pt x="133013" y="11533"/>
+                  </a:cubicBezTo>
+                  <a:cubicBezTo>
+                    <a:pt x="133023" y="11543"/>
+                    <a:pt x="133031" y="11552"/>
+                    <a:pt x="133041" y="11561"/>
+                  </a:cubicBezTo>
+                  <a:lnTo>
+                    <a:pt x="185365" y="63743"/>
+                  </a:lnTo>
+                  <a:lnTo>
+                    <a:pt x="191867" y="57220"/>
+                  </a:lnTo>
+                  <a:cubicBezTo>
+                    <a:pt x="194158" y="54908"/>
+                    <a:pt x="194158" y="51181"/>
+                    <a:pt x="191867" y="48868"/>
+                  </a:cubicBezTo>
+                  <a:lnTo>
+                    <a:pt x="143709" y="873"/>
+                  </a:lnTo>
+                  <a:cubicBezTo>
+                    <a:pt x="142569" y="-272"/>
+                    <a:pt x="140716" y="-276"/>
+                    <a:pt x="139572" y="865"/>
+                  </a:cubicBezTo>
+                  <a:cubicBezTo>
+                    <a:pt x="139562" y="874"/>
+                    <a:pt x="139552" y="884"/>
+                    <a:pt x="139543" y="893"/>
+                  </a:cubicBezTo>
+                  <a:close/>
+                </a:path>
+              </a:pathLst>
+            </a:custGeom>
+            <a:solidFill>
+              <a:srgbClr val="FFFFFF"/>
+            </a:solidFill>
+            <a:ln w="20108" cap="flat">
+              <a:noFill/>
+              <a:prstDash val="solid"/>
+              <a:miter/>
+            </a:ln>
+          </p:spPr>
+          <p:txBody>
+            <a:bodyPr rtlCol="0" anchor="ctr"/>
+            <a:lstStyle/>
+            <a:p>
+              <a:endParaRPr lang="LID4096"/>
+            </a:p>
+          </p:txBody>
+        </p:sp>
+        <p:sp>
+          <p:nvSpPr>
+            <p:cNvPr id="36" name="Freeform: Shape 35">
+              <a:extLst>
+                <a:ext uri="{FF2B5EF4-FFF2-40B4-BE49-F238E27FC236}">
+                  <a16:creationId xmlns:a16="http://schemas.microsoft.com/office/drawing/2014/main" id="{CCF30B6C-7F49-B871-032C-B0C5515421EB}"/>
+                </a:ext>
+              </a:extLst>
+            </p:cNvPr>
+            <p:cNvSpPr/>
+            <p:nvPr/>
+          </p:nvSpPr>
+          <p:spPr>
+            <a:xfrm>
+              <a:off x="5429726" y="4237028"/>
+              <a:ext cx="57113" cy="140252"/>
+            </a:xfrm>
+            <a:custGeom>
+              <a:avLst/>
+              <a:gdLst>
+                <a:gd name="connsiteX0" fmla="*/ 11884 w 57113"/>
+                <a:gd name="connsiteY0" fmla="*/ 140125 h 140252"/>
+                <a:gd name="connsiteX1" fmla="*/ 1460 w 57113"/>
+                <a:gd name="connsiteY1" fmla="*/ 136812 h 140252"/>
+                <a:gd name="connsiteX2" fmla="*/ 98 w 57113"/>
+                <a:gd name="connsiteY2" fmla="*/ 134151 h 140252"/>
+                <a:gd name="connsiteX3" fmla="*/ 42567 w 57113"/>
+                <a:gd name="connsiteY3" fmla="*/ 1481 h 140252"/>
+                <a:gd name="connsiteX4" fmla="*/ 45074 w 57113"/>
+                <a:gd name="connsiteY4" fmla="*/ 77 h 140252"/>
+                <a:gd name="connsiteX5" fmla="*/ 45208 w 57113"/>
+                <a:gd name="connsiteY5" fmla="*/ 120 h 140252"/>
+                <a:gd name="connsiteX6" fmla="*/ 55633 w 57113"/>
+                <a:gd name="connsiteY6" fmla="*/ 3452 h 140252"/>
+                <a:gd name="connsiteX7" fmla="*/ 57037 w 57113"/>
+                <a:gd name="connsiteY7" fmla="*/ 5959 h 140252"/>
+                <a:gd name="connsiteX8" fmla="*/ 56994 w 57113"/>
+                <a:gd name="connsiteY8" fmla="*/ 6094 h 140252"/>
+                <a:gd name="connsiteX9" fmla="*/ 14525 w 57113"/>
+                <a:gd name="connsiteY9" fmla="*/ 138844 h 140252"/>
+                <a:gd name="connsiteX10" fmla="*/ 11967 w 57113"/>
+                <a:gd name="connsiteY10" fmla="*/ 140153 h 140252"/>
+                <a:gd name="connsiteX11" fmla="*/ 11884 w 57113"/>
+                <a:gd name="connsiteY11" fmla="*/ 140125 h 140252"/>
+              </a:gdLst>
+              <a:ahLst/>
+              <a:cxnLst>
+                <a:cxn ang="0">
+                  <a:pos x="connsiteX0" y="connsiteY0"/>
+                </a:cxn>
+                <a:cxn ang="0">
+                  <a:pos x="connsiteX1" y="connsiteY1"/>
+                </a:cxn>
+                <a:cxn ang="0">
+                  <a:pos x="connsiteX2" y="connsiteY2"/>
+                </a:cxn>
+                <a:cxn ang="0">
+                  <a:pos x="connsiteX3" y="connsiteY3"/>
+                </a:cxn>
+                <a:cxn ang="0">
+                  <a:pos x="connsiteX4" y="connsiteY4"/>
+                </a:cxn>
+                <a:cxn ang="0">
+                  <a:pos x="connsiteX5" y="connsiteY5"/>
+                </a:cxn>
+                <a:cxn ang="0">
+                  <a:pos x="connsiteX6" y="connsiteY6"/>
+                </a:cxn>
+                <a:cxn ang="0">
+                  <a:pos x="connsiteX7" y="connsiteY7"/>
+                </a:cxn>
+                <a:cxn ang="0">
+                  <a:pos x="connsiteX8" y="connsiteY8"/>
+                </a:cxn>
+                <a:cxn ang="0">
+                  <a:pos x="connsiteX9" y="connsiteY9"/>
+                </a:cxn>
+                <a:cxn ang="0">
+                  <a:pos x="connsiteX10" y="connsiteY10"/>
+                </a:cxn>
+                <a:cxn ang="0">
+                  <a:pos x="connsiteX11" y="connsiteY11"/>
+                </a:cxn>
+              </a:cxnLst>
+              <a:rect l="l" t="t" r="r" b="b"/>
+              <a:pathLst>
+                <a:path w="57113" h="140252">
+                  <a:moveTo>
+                    <a:pt x="11884" y="140125"/>
+                  </a:moveTo>
+                  <a:lnTo>
+                    <a:pt x="1460" y="136812"/>
+                  </a:lnTo>
+                  <a:cubicBezTo>
+                    <a:pt x="356" y="136445"/>
+                    <a:pt x="-250" y="135260"/>
+                    <a:pt x="98" y="134151"/>
+                  </a:cubicBezTo>
+                  <a:lnTo>
+                    <a:pt x="42567" y="1481"/>
+                  </a:lnTo>
+                  <a:cubicBezTo>
+                    <a:pt x="42871" y="401"/>
+                    <a:pt x="43994" y="-228"/>
+                    <a:pt x="45074" y="77"/>
+                  </a:cubicBezTo>
+                  <a:cubicBezTo>
+                    <a:pt x="45119" y="90"/>
+                    <a:pt x="45164" y="104"/>
+                    <a:pt x="45208" y="120"/>
+                  </a:cubicBezTo>
+                  <a:lnTo>
+                    <a:pt x="55633" y="3452"/>
+                  </a:lnTo>
+                  <a:cubicBezTo>
+                    <a:pt x="56714" y="3757"/>
+                    <a:pt x="57342" y="4879"/>
+                    <a:pt x="57037" y="5959"/>
+                  </a:cubicBezTo>
+                  <a:cubicBezTo>
+                    <a:pt x="57025" y="6005"/>
+                    <a:pt x="57010" y="6050"/>
+                    <a:pt x="56994" y="6094"/>
+                  </a:cubicBezTo>
+                  <a:lnTo>
+                    <a:pt x="14525" y="138844"/>
+                  </a:lnTo>
+                  <a:cubicBezTo>
+                    <a:pt x="14180" y="139913"/>
+                    <a:pt x="13035" y="140498"/>
+                    <a:pt x="11967" y="140153"/>
+                  </a:cubicBezTo>
+                  <a:cubicBezTo>
+                    <a:pt x="11939" y="140145"/>
+                    <a:pt x="11911" y="140135"/>
+                    <a:pt x="11884" y="140125"/>
+                  </a:cubicBezTo>
+                  <a:close/>
+                </a:path>
+              </a:pathLst>
+            </a:custGeom>
+            <a:solidFill>
+              <a:srgbClr val="FFFFFF"/>
+            </a:solidFill>
+            <a:ln w="20108" cap="flat">
+              <a:noFill/>
+              <a:prstDash val="solid"/>
+              <a:miter/>
+            </a:ln>
+          </p:spPr>
+          <p:txBody>
+            <a:bodyPr rtlCol="0" anchor="ctr"/>
+            <a:lstStyle/>
+            <a:p>
+              <a:endParaRPr lang="LID4096"/>
+            </a:p>
+          </p:txBody>
+        </p:sp>
+        <p:sp>
+          <p:nvSpPr>
+            <p:cNvPr id="37" name="Freeform: Shape 36">
+              <a:extLst>
+                <a:ext uri="{FF2B5EF4-FFF2-40B4-BE49-F238E27FC236}">
+                  <a16:creationId xmlns:a16="http://schemas.microsoft.com/office/drawing/2014/main" id="{6B042021-D80E-25D2-5D9D-5B729C96B4CE}"/>
+                </a:ext>
+              </a:extLst>
+            </p:cNvPr>
+            <p:cNvSpPr/>
+            <p:nvPr/>
+          </p:nvSpPr>
+          <p:spPr>
+            <a:xfrm>
+              <a:off x="5309265" y="4148024"/>
+              <a:ext cx="128158" cy="30886"/>
+            </a:xfrm>
+            <a:custGeom>
+              <a:avLst/>
+              <a:gdLst>
+                <a:gd name="connsiteX0" fmla="*/ 30886 w 128158"/>
+                <a:gd name="connsiteY0" fmla="*/ 15443 h 30886"/>
+                <a:gd name="connsiteX1" fmla="*/ 15443 w 128158"/>
+                <a:gd name="connsiteY1" fmla="*/ 30886 h 30886"/>
+                <a:gd name="connsiteX2" fmla="*/ 0 w 128158"/>
+                <a:gd name="connsiteY2" fmla="*/ 15443 h 30886"/>
+                <a:gd name="connsiteX3" fmla="*/ 15443 w 128158"/>
+                <a:gd name="connsiteY3" fmla="*/ 0 h 30886"/>
+                <a:gd name="connsiteX4" fmla="*/ 30886 w 128158"/>
+                <a:gd name="connsiteY4" fmla="*/ 15443 h 30886"/>
+                <a:gd name="connsiteX5" fmla="*/ 64089 w 128158"/>
+                <a:gd name="connsiteY5" fmla="*/ 0 h 30886"/>
+                <a:gd name="connsiteX6" fmla="*/ 48646 w 128158"/>
+                <a:gd name="connsiteY6" fmla="*/ 15443 h 30886"/>
+                <a:gd name="connsiteX7" fmla="*/ 64089 w 128158"/>
+                <a:gd name="connsiteY7" fmla="*/ 30886 h 30886"/>
+                <a:gd name="connsiteX8" fmla="*/ 79532 w 128158"/>
+                <a:gd name="connsiteY8" fmla="*/ 15443 h 30886"/>
+                <a:gd name="connsiteX9" fmla="*/ 64089 w 128158"/>
+                <a:gd name="connsiteY9" fmla="*/ 0 h 30886"/>
+                <a:gd name="connsiteX10" fmla="*/ 112715 w 128158"/>
+                <a:gd name="connsiteY10" fmla="*/ 0 h 30886"/>
+                <a:gd name="connsiteX11" fmla="*/ 97272 w 128158"/>
+                <a:gd name="connsiteY11" fmla="*/ 15443 h 30886"/>
+                <a:gd name="connsiteX12" fmla="*/ 112715 w 128158"/>
+                <a:gd name="connsiteY12" fmla="*/ 30886 h 30886"/>
+                <a:gd name="connsiteX13" fmla="*/ 128158 w 128158"/>
+                <a:gd name="connsiteY13" fmla="*/ 15443 h 30886"/>
+                <a:gd name="connsiteX14" fmla="*/ 112715 w 128158"/>
+                <a:gd name="connsiteY14" fmla="*/ 0 h 30886"/>
+                <a:gd name="connsiteX15" fmla="*/ 112674 w 128158"/>
+                <a:gd name="connsiteY15" fmla="*/ 0 h 30886"/>
+              </a:gdLst>
+              <a:ahLst/>
+              <a:cxnLst>
+                <a:cxn ang="0">
+                  <a:pos x="connsiteX0" y="connsiteY0"/>
+                </a:cxn>
+                <a:cxn ang="0">
+                  <a:pos x="connsiteX1" y="connsiteY1"/>
+                </a:cxn>
+                <a:cxn ang="0">
+                  <a:pos x="connsiteX2" y="connsiteY2"/>
+                </a:cxn>
+                <a:cxn ang="0">
+                  <a:pos x="connsiteX3" y="connsiteY3"/>
+                </a:cxn>
+                <a:cxn ang="0">
+                  <a:pos x="connsiteX4" y="connsiteY4"/>
+                </a:cxn>
+                <a:cxn ang="0">
+                  <a:pos x="connsiteX5" y="connsiteY5"/>
+                </a:cxn>
+                <a:cxn ang="0">
+                  <a:pos x="connsiteX6" y="connsiteY6"/>
+                </a:cxn>
+                <a:cxn ang="0">
+                  <a:pos x="connsiteX7" y="connsiteY7"/>
+                </a:cxn>
+                <a:cxn ang="0">
+                  <a:pos x="connsiteX8" y="connsiteY8"/>
+                </a:cxn>
+                <a:cxn ang="0">
+                  <a:pos x="connsiteX9" y="connsiteY9"/>
+                </a:cxn>
+                <a:cxn ang="0">
+                  <a:pos x="connsiteX10" y="connsiteY10"/>
+                </a:cxn>
+                <a:cxn ang="0">
+                  <a:pos x="connsiteX11" y="connsiteY11"/>
+                </a:cxn>
+                <a:cxn ang="0">
+                  <a:pos x="connsiteX12" y="connsiteY12"/>
+                </a:cxn>
+                <a:cxn ang="0">
+                  <a:pos x="connsiteX13" y="connsiteY13"/>
+                </a:cxn>
+                <a:cxn ang="0">
+                  <a:pos x="connsiteX14" y="connsiteY14"/>
+                </a:cxn>
+                <a:cxn ang="0">
+                  <a:pos x="connsiteX15" y="connsiteY15"/>
+                </a:cxn>
+              </a:cxnLst>
+              <a:rect l="l" t="t" r="r" b="b"/>
+              <a:pathLst>
+                <a:path w="128158" h="30886">
+                  <a:moveTo>
+                    <a:pt x="30886" y="15443"/>
+                  </a:moveTo>
+                  <a:cubicBezTo>
+                    <a:pt x="30886" y="23972"/>
+                    <a:pt x="23972" y="30886"/>
+                    <a:pt x="15443" y="30886"/>
+                  </a:cubicBezTo>
+                  <a:cubicBezTo>
+                    <a:pt x="6914" y="30886"/>
+                    <a:pt x="0" y="23972"/>
+                    <a:pt x="0" y="15443"/>
+                  </a:cubicBezTo>
+                  <a:cubicBezTo>
+                    <a:pt x="0" y="6914"/>
+                    <a:pt x="6914" y="0"/>
+                    <a:pt x="15443" y="0"/>
+                  </a:cubicBezTo>
+                  <a:cubicBezTo>
+                    <a:pt x="23972" y="0"/>
+                    <a:pt x="30886" y="6914"/>
+                    <a:pt x="30886" y="15443"/>
+                  </a:cubicBezTo>
+                  <a:close/>
+                  <a:moveTo>
+                    <a:pt x="64089" y="0"/>
+                  </a:moveTo>
+                  <a:cubicBezTo>
+                    <a:pt x="55560" y="0"/>
+                    <a:pt x="48646" y="6914"/>
+                    <a:pt x="48646" y="15443"/>
+                  </a:cubicBezTo>
+                  <a:cubicBezTo>
+                    <a:pt x="48646" y="23972"/>
+                    <a:pt x="55560" y="30886"/>
+                    <a:pt x="64089" y="30886"/>
+                  </a:cubicBezTo>
+                  <a:cubicBezTo>
+                    <a:pt x="72618" y="30886"/>
+                    <a:pt x="79532" y="23972"/>
+                    <a:pt x="79532" y="15443"/>
+                  </a:cubicBezTo>
+                  <a:cubicBezTo>
+                    <a:pt x="79532" y="6914"/>
+                    <a:pt x="72618" y="0"/>
+                    <a:pt x="64089" y="0"/>
+                  </a:cubicBezTo>
+                  <a:close/>
+                  <a:moveTo>
+                    <a:pt x="112715" y="0"/>
+                  </a:moveTo>
+                  <a:cubicBezTo>
+                    <a:pt x="104186" y="0"/>
+                    <a:pt x="97272" y="6914"/>
+                    <a:pt x="97272" y="15443"/>
+                  </a:cubicBezTo>
+                  <a:cubicBezTo>
+                    <a:pt x="97272" y="23972"/>
+                    <a:pt x="104186" y="30886"/>
+                    <a:pt x="112715" y="30886"/>
+                  </a:cubicBezTo>
+                  <a:cubicBezTo>
+                    <a:pt x="121244" y="30886"/>
+                    <a:pt x="128158" y="23972"/>
+                    <a:pt x="128158" y="15443"/>
+                  </a:cubicBezTo>
+                  <a:cubicBezTo>
+                    <a:pt x="128158" y="6914"/>
+                    <a:pt x="121244" y="0"/>
+                    <a:pt x="112715" y="0"/>
+                  </a:cubicBezTo>
+                  <a:cubicBezTo>
+                    <a:pt x="112702" y="0"/>
+                    <a:pt x="112688" y="0"/>
+                    <a:pt x="112674" y="0"/>
+                  </a:cubicBezTo>
+                  <a:close/>
+                </a:path>
+              </a:pathLst>
+            </a:custGeom>
+            <a:solidFill>
+              <a:srgbClr val="FFFFFF"/>
+            </a:solidFill>
+            <a:ln w="20108" cap="flat">
+              <a:noFill/>
+              <a:prstDash val="solid"/>
+              <a:miter/>
+            </a:ln>
+          </p:spPr>
+          <p:txBody>
+            <a:bodyPr rtlCol="0" anchor="ctr"/>
+            <a:lstStyle/>
+            <a:p>
+              <a:endParaRPr lang="LID4096"/>
+            </a:p>
+          </p:txBody>
+        </p:sp>
+      </p:grpSp>
+      <p:sp>
+        <p:nvSpPr>
+          <p:cNvPr id="16" name="Rounded Rectangle 178">
+            <a:extLst>
+              <a:ext uri="{FF2B5EF4-FFF2-40B4-BE49-F238E27FC236}">
+                <a16:creationId xmlns:a16="http://schemas.microsoft.com/office/drawing/2014/main" id="{7D2C2BBC-70FE-82C8-7BF6-71CE3A08A281}"/>
+              </a:ext>
+            </a:extLst>
+          </p:cNvPr>
+          <p:cNvSpPr/>
+          <p:nvPr/>
+        </p:nvSpPr>
+        <p:spPr bwMode="auto">
+          <a:xfrm>
+            <a:off x="523229" y="910235"/>
+            <a:ext cx="2377440" cy="1605652"/>
+          </a:xfrm>
+          <a:prstGeom prst="roundRect">
+            <a:avLst>
+              <a:gd name="adj" fmla="val 0"/>
+            </a:avLst>
+          </a:prstGeom>
+          <a:solidFill>
+            <a:schemeClr val="bg1">
+              <a:lumMod val="95000"/>
+            </a:schemeClr>
+          </a:solidFill>
+          <a:ln w="28575">
+            <a:noFill/>
+            <a:headEnd type="none" w="med" len="med"/>
+            <a:tailEnd type="none" w="med" len="med"/>
+          </a:ln>
+          <a:effectLst/>
+        </p:spPr>
+        <p:style>
+          <a:lnRef idx="1">
+            <a:schemeClr val="accent2"/>
+          </a:lnRef>
+          <a:fillRef idx="3">
+            <a:schemeClr val="accent2"/>
+          </a:fillRef>
+          <a:effectRef idx="2">
+            <a:schemeClr val="accent2"/>
+          </a:effectRef>
+          <a:fontRef idx="minor">
+            <a:schemeClr val="lt1"/>
+          </a:fontRef>
+        </p:style>
+        <p:txBody>
+          <a:bodyPr rot="0" spcFirstLastPara="0" vertOverflow="overflow" horzOverflow="overflow" vert="horz" wrap="square" lIns="182880" tIns="146304" rIns="182880" bIns="146304" numCol="1" spcCol="0" rtlCol="0" fromWordArt="0" anchor="t" anchorCtr="0" forceAA="0" compatLnSpc="1">
+            <a:prstTxWarp prst="textNoShape">
+              <a:avLst/>
+            </a:prstTxWarp>
+            <a:noAutofit/>
+          </a:bodyPr>
+          <a:lstStyle/>
+          <a:p>
+            <a:pPr defTabSz="932472" fontAlgn="base">
+              <a:spcBef>
+                <a:spcPct val="0"/>
+              </a:spcBef>
+              <a:spcAft>
+                <a:spcPct val="0"/>
+              </a:spcAft>
+            </a:pPr>
+            <a:endParaRPr lang="en-US" sz="2000" b="1" dirty="0" err="1">
+              <a:solidFill>
+                <a:srgbClr val="FFFFFF"/>
+              </a:solidFill>
+              <a:cs typeface="Segoe UI" pitchFamily="34" charset="0"/>
+            </a:endParaRPr>
+          </a:p>
+        </p:txBody>
+      </p:sp>
+      <p:sp>
+        <p:nvSpPr>
+          <p:cNvPr id="17" name="TextBox 16">
+            <a:extLst>
+              <a:ext uri="{FF2B5EF4-FFF2-40B4-BE49-F238E27FC236}">
+                <a16:creationId xmlns:a16="http://schemas.microsoft.com/office/drawing/2014/main" id="{E1B63167-63C5-171D-22F1-6C96B24B5264}"/>
+              </a:ext>
+            </a:extLst>
+          </p:cNvPr>
+          <p:cNvSpPr txBox="1"/>
+          <p:nvPr/>
+        </p:nvSpPr>
+        <p:spPr>
+          <a:xfrm>
+            <a:off x="3426885" y="639435"/>
+            <a:ext cx="2377440" cy="246221"/>
+          </a:xfrm>
+          <a:prstGeom prst="rect">
+            <a:avLst/>
+          </a:prstGeom>
+          <a:noFill/>
+        </p:spPr>
+        <p:txBody>
+          <a:bodyPr wrap="square" lIns="0" tIns="0" rIns="0" bIns="0" rtlCol="0">
+            <a:spAutoFit/>
+          </a:bodyPr>
+          <a:lstStyle/>
+          <a:p>
+            <a:pPr algn="ctr"/>
+            <a:r>
+              <a:rPr lang="en-US" sz="1600" dirty="0"/>
+              <a:t>Azure API management</a:t>
+            </a:r>
+            <a:endParaRPr lang="en-US" sz="1600" b="1" dirty="0"/>
+          </a:p>
+        </p:txBody>
+      </p:sp>
+      <p:cxnSp>
+        <p:nvCxnSpPr>
+          <p:cNvPr id="18" name="Straight Connector 17">
+            <a:extLst>
+              <a:ext uri="{FF2B5EF4-FFF2-40B4-BE49-F238E27FC236}">
+                <a16:creationId xmlns:a16="http://schemas.microsoft.com/office/drawing/2014/main" id="{F122CBCE-98BF-C927-108F-0FF5C7377F80}"/>
+              </a:ext>
+            </a:extLst>
+          </p:cNvPr>
+          <p:cNvCxnSpPr>
+            <a:cxnSpLocks/>
+          </p:cNvCxnSpPr>
+          <p:nvPr/>
+        </p:nvCxnSpPr>
+        <p:spPr>
+          <a:xfrm>
+            <a:off x="523229" y="2515887"/>
+            <a:ext cx="2377440" cy="0"/>
+          </a:xfrm>
+          <a:prstGeom prst="line">
+            <a:avLst/>
+          </a:prstGeom>
+          <a:ln w="57150">
+            <a:solidFill>
+              <a:srgbClr val="FFB900"/>
+            </a:solidFill>
+            <a:headEnd type="none" w="lg" len="med"/>
+            <a:tailEnd type="none" w="lg" len="med"/>
+          </a:ln>
+        </p:spPr>
+        <p:style>
+          <a:lnRef idx="1">
+            <a:schemeClr val="accent1"/>
+          </a:lnRef>
+          <a:fillRef idx="0">
+            <a:schemeClr val="accent1"/>
+          </a:fillRef>
+          <a:effectRef idx="0">
+            <a:schemeClr val="accent1"/>
+          </a:effectRef>
+          <a:fontRef idx="minor">
+            <a:schemeClr val="tx1"/>
+          </a:fontRef>
+        </p:style>
+      </p:cxnSp>
+      <p:pic>
+        <p:nvPicPr>
+          <p:cNvPr id="5" name="Graphic 4">
+            <a:extLst>
+              <a:ext uri="{FF2B5EF4-FFF2-40B4-BE49-F238E27FC236}">
+                <a16:creationId xmlns:a16="http://schemas.microsoft.com/office/drawing/2014/main" id="{4C97E0EC-66E2-F566-0308-E06517EF5319}"/>
+              </a:ext>
+            </a:extLst>
+          </p:cNvPr>
+          <p:cNvPicPr>
+            <a:picLocks noChangeAspect="1"/>
+          </p:cNvPicPr>
+          <p:nvPr/>
+        </p:nvPicPr>
+        <p:blipFill>
+          <a:blip r:embed="rId2">
+            <a:extLst>
+              <a:ext uri="{96DAC541-7B7A-43D3-8B79-37D633B846F1}">
+                <asvg:svgBlip xmlns:asvg="http://schemas.microsoft.com/office/drawing/2016/SVG/main" r:embed="rId3"/>
+              </a:ext>
+            </a:extLst>
+          </a:blip>
+          <a:stretch>
+            <a:fillRect/>
+          </a:stretch>
+        </p:blipFill>
+        <p:spPr>
+          <a:xfrm>
+            <a:off x="700553" y="1092414"/>
+            <a:ext cx="365760" cy="365760"/>
+          </a:xfrm>
+          <a:prstGeom prst="rect">
+            <a:avLst/>
+          </a:prstGeom>
+        </p:spPr>
+      </p:pic>
+      <p:sp>
+        <p:nvSpPr>
+          <p:cNvPr id="19" name="TextBox 18">
+            <a:extLst>
+              <a:ext uri="{FF2B5EF4-FFF2-40B4-BE49-F238E27FC236}">
+                <a16:creationId xmlns:a16="http://schemas.microsoft.com/office/drawing/2014/main" id="{B02EF912-76EF-8123-A815-16ABA4456800}"/>
+              </a:ext>
+            </a:extLst>
+          </p:cNvPr>
+          <p:cNvSpPr txBox="1"/>
+          <p:nvPr/>
+        </p:nvSpPr>
+        <p:spPr>
+          <a:xfrm>
+            <a:off x="1233190" y="1270447"/>
+            <a:ext cx="1545439" cy="984885"/>
+          </a:xfrm>
+          <a:prstGeom prst="rect">
+            <a:avLst/>
+          </a:prstGeom>
+          <a:noFill/>
+        </p:spPr>
+        <p:txBody>
+          <a:bodyPr wrap="square" lIns="0" tIns="0" rIns="0" bIns="0" rtlCol="0">
+            <a:spAutoFit/>
+          </a:bodyPr>
+          <a:lstStyle/>
+          <a:p>
+            <a:r>
+              <a:rPr lang="en-US" sz="1600" dirty="0">
+                <a:solidFill>
+                  <a:schemeClr val="tx1">
+                    <a:lumMod val="65000"/>
+                    <a:lumOff val="35000"/>
+                  </a:schemeClr>
+                </a:solidFill>
+              </a:rPr>
+              <a:t>/Verifier</a:t>
+            </a:r>
+          </a:p>
+          <a:p>
+            <a:r>
+              <a:rPr lang="en-US" sz="1600" dirty="0">
+                <a:solidFill>
+                  <a:schemeClr val="tx1">
+                    <a:lumMod val="65000"/>
+                    <a:lumOff val="35000"/>
+                  </a:schemeClr>
+                </a:solidFill>
+              </a:rPr>
+              <a:t>/Status</a:t>
+            </a:r>
+          </a:p>
+          <a:p>
+            <a:endParaRPr lang="en-US" sz="1600" dirty="0">
+              <a:solidFill>
+                <a:schemeClr val="tx1">
+                  <a:lumMod val="65000"/>
+                  <a:lumOff val="35000"/>
+                </a:schemeClr>
+              </a:solidFill>
+            </a:endParaRPr>
+          </a:p>
+          <a:p>
+            <a:r>
+              <a:rPr lang="en-US" sz="1600" dirty="0">
+                <a:solidFill>
+                  <a:schemeClr val="tx1">
+                    <a:lumMod val="65000"/>
+                    <a:lumOff val="35000"/>
+                  </a:schemeClr>
+                </a:solidFill>
+              </a:rPr>
+              <a:t>/Callback</a:t>
+            </a:r>
+          </a:p>
+        </p:txBody>
+      </p:sp>
+      <p:sp>
+        <p:nvSpPr>
+          <p:cNvPr id="20" name="Rounded Rectangle 178">
+            <a:extLst>
+              <a:ext uri="{FF2B5EF4-FFF2-40B4-BE49-F238E27FC236}">
+                <a16:creationId xmlns:a16="http://schemas.microsoft.com/office/drawing/2014/main" id="{50BFF16F-C9B5-D71B-30DA-09E8A765EC0F}"/>
+              </a:ext>
+            </a:extLst>
+          </p:cNvPr>
+          <p:cNvSpPr/>
+          <p:nvPr/>
+        </p:nvSpPr>
+        <p:spPr bwMode="auto">
+          <a:xfrm>
+            <a:off x="3426885" y="910235"/>
+            <a:ext cx="2377440" cy="1605652"/>
+          </a:xfrm>
+          <a:prstGeom prst="roundRect">
+            <a:avLst>
+              <a:gd name="adj" fmla="val 0"/>
+            </a:avLst>
+          </a:prstGeom>
+          <a:solidFill>
+            <a:schemeClr val="bg1">
+              <a:lumMod val="95000"/>
+            </a:schemeClr>
+          </a:solidFill>
+          <a:ln w="28575">
+            <a:noFill/>
+            <a:headEnd type="none" w="med" len="med"/>
+            <a:tailEnd type="none" w="med" len="med"/>
+          </a:ln>
+          <a:effectLst/>
+        </p:spPr>
+        <p:style>
+          <a:lnRef idx="1">
+            <a:schemeClr val="accent2"/>
+          </a:lnRef>
+          <a:fillRef idx="3">
+            <a:schemeClr val="accent2"/>
+          </a:fillRef>
+          <a:effectRef idx="2">
+            <a:schemeClr val="accent2"/>
+          </a:effectRef>
+          <a:fontRef idx="minor">
+            <a:schemeClr val="lt1"/>
+          </a:fontRef>
+        </p:style>
+        <p:txBody>
+          <a:bodyPr rot="0" spcFirstLastPara="0" vertOverflow="overflow" horzOverflow="overflow" vert="horz" wrap="square" lIns="182880" tIns="146304" rIns="182880" bIns="146304" numCol="1" spcCol="0" rtlCol="0" fromWordArt="0" anchor="t" anchorCtr="0" forceAA="0" compatLnSpc="1">
+            <a:prstTxWarp prst="textNoShape">
+              <a:avLst/>
+            </a:prstTxWarp>
+            <a:noAutofit/>
+          </a:bodyPr>
+          <a:lstStyle/>
+          <a:p>
+            <a:pPr defTabSz="932472" fontAlgn="base">
+              <a:spcBef>
+                <a:spcPct val="0"/>
+              </a:spcBef>
+              <a:spcAft>
+                <a:spcPct val="0"/>
+              </a:spcAft>
+            </a:pPr>
+            <a:endParaRPr lang="en-US" sz="2000" b="1" dirty="0" err="1">
+              <a:solidFill>
+                <a:srgbClr val="FFFFFF"/>
+              </a:solidFill>
+              <a:cs typeface="Segoe UI" pitchFamily="34" charset="0"/>
+            </a:endParaRPr>
+          </a:p>
+        </p:txBody>
+      </p:sp>
+      <p:cxnSp>
+        <p:nvCxnSpPr>
+          <p:cNvPr id="21" name="Straight Connector 20">
+            <a:extLst>
+              <a:ext uri="{FF2B5EF4-FFF2-40B4-BE49-F238E27FC236}">
+                <a16:creationId xmlns:a16="http://schemas.microsoft.com/office/drawing/2014/main" id="{76888E41-E37E-2754-85B3-718478E62E2E}"/>
+              </a:ext>
+            </a:extLst>
+          </p:cNvPr>
+          <p:cNvCxnSpPr>
+            <a:cxnSpLocks/>
+          </p:cNvCxnSpPr>
+          <p:nvPr/>
+        </p:nvCxnSpPr>
+        <p:spPr>
+          <a:xfrm>
+            <a:off x="3426885" y="2515887"/>
+            <a:ext cx="2377440" cy="0"/>
+          </a:xfrm>
+          <a:prstGeom prst="line">
+            <a:avLst/>
+          </a:prstGeom>
+          <a:ln w="57150">
+            <a:solidFill>
+              <a:srgbClr val="FFB900"/>
+            </a:solidFill>
+            <a:headEnd type="none" w="lg" len="med"/>
+            <a:tailEnd type="none" w="lg" len="med"/>
+          </a:ln>
+        </p:spPr>
+        <p:style>
+          <a:lnRef idx="1">
+            <a:schemeClr val="accent1"/>
+          </a:lnRef>
+          <a:fillRef idx="0">
+            <a:schemeClr val="accent1"/>
+          </a:fillRef>
+          <a:effectRef idx="0">
+            <a:schemeClr val="accent1"/>
+          </a:effectRef>
+          <a:fontRef idx="minor">
+            <a:schemeClr val="tx1"/>
+          </a:fontRef>
+        </p:style>
+      </p:cxnSp>
+      <p:sp>
+        <p:nvSpPr>
+          <p:cNvPr id="22" name="TextBox 21">
+            <a:extLst>
+              <a:ext uri="{FF2B5EF4-FFF2-40B4-BE49-F238E27FC236}">
+                <a16:creationId xmlns:a16="http://schemas.microsoft.com/office/drawing/2014/main" id="{61CD8E89-7E7E-D45E-2DB3-DFBAA9AF9281}"/>
+              </a:ext>
+            </a:extLst>
+          </p:cNvPr>
+          <p:cNvSpPr txBox="1"/>
+          <p:nvPr/>
+        </p:nvSpPr>
+        <p:spPr>
+          <a:xfrm>
+            <a:off x="523229" y="653723"/>
+            <a:ext cx="2377440" cy="246221"/>
+          </a:xfrm>
+          <a:prstGeom prst="rect">
+            <a:avLst/>
+          </a:prstGeom>
+          <a:noFill/>
+        </p:spPr>
+        <p:txBody>
+          <a:bodyPr wrap="square" lIns="0" tIns="0" rIns="0" bIns="0" rtlCol="0">
+            <a:spAutoFit/>
+          </a:bodyPr>
+          <a:lstStyle/>
+          <a:p>
+            <a:pPr algn="ctr"/>
+            <a:r>
+              <a:rPr lang="en-US" sz="1600" dirty="0"/>
+              <a:t>Azure Logic App</a:t>
+            </a:r>
+            <a:endParaRPr lang="en-US" sz="1600" b="1" dirty="0"/>
+          </a:p>
+        </p:txBody>
+      </p:sp>
+      <p:pic>
+        <p:nvPicPr>
+          <p:cNvPr id="7" name="Graphic 6">
+            <a:extLst>
+              <a:ext uri="{FF2B5EF4-FFF2-40B4-BE49-F238E27FC236}">
+                <a16:creationId xmlns:a16="http://schemas.microsoft.com/office/drawing/2014/main" id="{DE630A67-9E55-2AB7-BB6F-36AABB8488A5}"/>
+              </a:ext>
+            </a:extLst>
+          </p:cNvPr>
+          <p:cNvPicPr>
+            <a:picLocks noChangeAspect="1"/>
+          </p:cNvPicPr>
+          <p:nvPr/>
+        </p:nvPicPr>
+        <p:blipFill>
+          <a:blip r:embed="rId4">
+            <a:extLst>
+              <a:ext uri="{96DAC541-7B7A-43D3-8B79-37D633B846F1}">
+                <asvg:svgBlip xmlns:asvg="http://schemas.microsoft.com/office/drawing/2016/SVG/main" r:embed="rId5"/>
+              </a:ext>
+            </a:extLst>
+          </a:blip>
+          <a:stretch>
+            <a:fillRect/>
+          </a:stretch>
+        </p:blipFill>
+        <p:spPr>
+          <a:xfrm>
+            <a:off x="3604209" y="1181079"/>
+            <a:ext cx="365760" cy="365760"/>
+          </a:xfrm>
+          <a:prstGeom prst="rect">
+            <a:avLst/>
+          </a:prstGeom>
+        </p:spPr>
+      </p:pic>
+      <p:sp>
+        <p:nvSpPr>
+          <p:cNvPr id="23" name="TextBox 22">
+            <a:extLst>
+              <a:ext uri="{FF2B5EF4-FFF2-40B4-BE49-F238E27FC236}">
+                <a16:creationId xmlns:a16="http://schemas.microsoft.com/office/drawing/2014/main" id="{65049173-C948-CABA-1923-2B5C7A57195A}"/>
+              </a:ext>
+            </a:extLst>
+          </p:cNvPr>
+          <p:cNvSpPr txBox="1"/>
+          <p:nvPr/>
+        </p:nvSpPr>
+        <p:spPr>
+          <a:xfrm>
+            <a:off x="4258886" y="1270446"/>
+            <a:ext cx="1545439" cy="984885"/>
+          </a:xfrm>
+          <a:prstGeom prst="rect">
+            <a:avLst/>
+          </a:prstGeom>
+          <a:noFill/>
+        </p:spPr>
+        <p:txBody>
+          <a:bodyPr wrap="square" lIns="0" tIns="0" rIns="0" bIns="0" rtlCol="0">
+            <a:spAutoFit/>
+          </a:bodyPr>
+          <a:lstStyle/>
+          <a:p>
+            <a:r>
+              <a:rPr lang="en-US" sz="1600" dirty="0"/>
+              <a:t>/Verifier</a:t>
+            </a:r>
+          </a:p>
+          <a:p>
+            <a:r>
+              <a:rPr lang="en-US" sz="1600" dirty="0"/>
+              <a:t>/Status</a:t>
+            </a:r>
+          </a:p>
+          <a:p>
+            <a:endParaRPr lang="en-US" sz="1600" dirty="0"/>
+          </a:p>
+          <a:p>
+            <a:r>
+              <a:rPr lang="en-US" sz="1600" dirty="0"/>
+              <a:t>/Callback</a:t>
+            </a:r>
+          </a:p>
+        </p:txBody>
+      </p:sp>
+      <p:cxnSp>
+        <p:nvCxnSpPr>
+          <p:cNvPr id="25" name="Straight Arrow Connector 24">
+            <a:extLst>
+              <a:ext uri="{FF2B5EF4-FFF2-40B4-BE49-F238E27FC236}">
+                <a16:creationId xmlns:a16="http://schemas.microsoft.com/office/drawing/2014/main" id="{C376FAF0-42E1-B76F-4A5D-C11082790E64}"/>
+              </a:ext>
+            </a:extLst>
+          </p:cNvPr>
+          <p:cNvCxnSpPr>
+            <a:stCxn id="20" idx="1"/>
+            <a:endCxn id="16" idx="3"/>
+          </p:cNvCxnSpPr>
+          <p:nvPr/>
+        </p:nvCxnSpPr>
+        <p:spPr>
+          <a:xfrm flipH="1">
+            <a:off x="2900669" y="1713061"/>
+            <a:ext cx="526216" cy="0"/>
+          </a:xfrm>
+          <a:prstGeom prst="straightConnector1">
+            <a:avLst/>
+          </a:prstGeom>
+          <a:ln>
+            <a:solidFill>
+              <a:schemeClr val="bg2">
+                <a:lumMod val="25000"/>
+              </a:schemeClr>
+            </a:solidFill>
+            <a:tailEnd type="triangle"/>
+          </a:ln>
+        </p:spPr>
+        <p:style>
+          <a:lnRef idx="2">
+            <a:schemeClr val="accent1"/>
+          </a:lnRef>
+          <a:fillRef idx="0">
+            <a:schemeClr val="accent1"/>
+          </a:fillRef>
+          <a:effectRef idx="1">
+            <a:schemeClr val="accent1"/>
+          </a:effectRef>
+          <a:fontRef idx="minor">
+            <a:schemeClr val="tx1"/>
+          </a:fontRef>
+        </p:style>
+      </p:cxnSp>
+      <p:sp>
+        <p:nvSpPr>
+          <p:cNvPr id="27" name="TextBox 26">
+            <a:extLst>
+              <a:ext uri="{FF2B5EF4-FFF2-40B4-BE49-F238E27FC236}">
+                <a16:creationId xmlns:a16="http://schemas.microsoft.com/office/drawing/2014/main" id="{929962E1-F14D-BFB6-665D-A6537AB0E606}"/>
+              </a:ext>
+            </a:extLst>
+          </p:cNvPr>
+          <p:cNvSpPr txBox="1"/>
+          <p:nvPr/>
+        </p:nvSpPr>
+        <p:spPr>
+          <a:xfrm>
+            <a:off x="6404259" y="3102549"/>
+            <a:ext cx="2377440" cy="246221"/>
+          </a:xfrm>
+          <a:prstGeom prst="rect">
+            <a:avLst/>
+          </a:prstGeom>
+          <a:noFill/>
+        </p:spPr>
+        <p:txBody>
+          <a:bodyPr wrap="square" lIns="0" tIns="0" rIns="0" bIns="0" rtlCol="0">
+            <a:spAutoFit/>
+          </a:bodyPr>
+          <a:lstStyle/>
+          <a:p>
+            <a:pPr algn="ctr"/>
+            <a:r>
+              <a:rPr lang="en-US" sz="1600" dirty="0"/>
+              <a:t>Frontend app</a:t>
+            </a:r>
+            <a:endParaRPr lang="en-US" sz="1600" b="1" dirty="0"/>
+          </a:p>
+        </p:txBody>
+      </p:sp>
+      <p:sp>
+        <p:nvSpPr>
+          <p:cNvPr id="28" name="TextBox 27">
+            <a:extLst>
+              <a:ext uri="{FF2B5EF4-FFF2-40B4-BE49-F238E27FC236}">
+                <a16:creationId xmlns:a16="http://schemas.microsoft.com/office/drawing/2014/main" id="{5E0846F9-5637-5DDE-5220-8185931E85E9}"/>
+              </a:ext>
+            </a:extLst>
+          </p:cNvPr>
+          <p:cNvSpPr txBox="1"/>
+          <p:nvPr/>
+        </p:nvSpPr>
+        <p:spPr>
+          <a:xfrm>
+            <a:off x="7244087" y="3836207"/>
+            <a:ext cx="1541329" cy="738664"/>
+          </a:xfrm>
+          <a:prstGeom prst="rect">
+            <a:avLst/>
+          </a:prstGeom>
+          <a:noFill/>
+        </p:spPr>
+        <p:txBody>
+          <a:bodyPr wrap="square" lIns="0" tIns="0" rIns="0" bIns="0" rtlCol="0">
+            <a:spAutoFit/>
+          </a:bodyPr>
+          <a:lstStyle/>
+          <a:p>
+            <a:r>
+              <a:rPr lang="en-US" sz="1600" dirty="0"/>
+              <a:t>User interface</a:t>
+            </a:r>
+          </a:p>
+          <a:p>
+            <a:r>
+              <a:rPr lang="en-US" sz="1600" dirty="0"/>
+              <a:t>JavaScript </a:t>
+            </a:r>
+          </a:p>
+          <a:p>
+            <a:r>
+              <a:rPr lang="en-US" sz="1600" dirty="0"/>
+              <a:t>jQuery</a:t>
+            </a:r>
+          </a:p>
+        </p:txBody>
+      </p:sp>
+      <p:cxnSp>
+        <p:nvCxnSpPr>
+          <p:cNvPr id="29" name="Straight Connector 28">
+            <a:extLst>
+              <a:ext uri="{FF2B5EF4-FFF2-40B4-BE49-F238E27FC236}">
+                <a16:creationId xmlns:a16="http://schemas.microsoft.com/office/drawing/2014/main" id="{A8486079-C8EF-25E7-91AE-4841BC855E48}"/>
+              </a:ext>
+            </a:extLst>
+          </p:cNvPr>
+          <p:cNvCxnSpPr>
+            <a:cxnSpLocks/>
+          </p:cNvCxnSpPr>
+          <p:nvPr/>
+        </p:nvCxnSpPr>
+        <p:spPr>
+          <a:xfrm>
+            <a:off x="6404259" y="4968758"/>
+            <a:ext cx="2377440" cy="0"/>
+          </a:xfrm>
+          <a:prstGeom prst="line">
+            <a:avLst/>
+          </a:prstGeom>
+          <a:ln w="57150">
+            <a:solidFill>
+              <a:schemeClr val="accent3"/>
+            </a:solidFill>
+            <a:headEnd type="none" w="lg" len="med"/>
+            <a:tailEnd type="none" w="lg" len="med"/>
+          </a:ln>
+        </p:spPr>
+        <p:style>
+          <a:lnRef idx="1">
+            <a:schemeClr val="accent1"/>
+          </a:lnRef>
+          <a:fillRef idx="0">
+            <a:schemeClr val="accent1"/>
+          </a:fillRef>
+          <a:effectRef idx="0">
+            <a:schemeClr val="accent1"/>
+          </a:effectRef>
+          <a:fontRef idx="minor">
+            <a:schemeClr val="tx1"/>
+          </a:fontRef>
+        </p:style>
+      </p:cxnSp>
+      <p:sp>
+        <p:nvSpPr>
+          <p:cNvPr id="38" name="Rounded Rectangle 178">
+            <a:extLst>
+              <a:ext uri="{FF2B5EF4-FFF2-40B4-BE49-F238E27FC236}">
+                <a16:creationId xmlns:a16="http://schemas.microsoft.com/office/drawing/2014/main" id="{55E7C80B-59DA-9A05-A434-126C0BDDBE57}"/>
+              </a:ext>
+            </a:extLst>
+          </p:cNvPr>
+          <p:cNvSpPr/>
+          <p:nvPr/>
+        </p:nvSpPr>
+        <p:spPr bwMode="auto">
+          <a:xfrm>
+            <a:off x="9537175" y="3387882"/>
+            <a:ext cx="2377440" cy="1605652"/>
+          </a:xfrm>
+          <a:prstGeom prst="roundRect">
+            <a:avLst>
+              <a:gd name="adj" fmla="val 0"/>
+            </a:avLst>
+          </a:prstGeom>
+          <a:solidFill>
+            <a:schemeClr val="bg1">
+              <a:lumMod val="95000"/>
+            </a:schemeClr>
+          </a:solidFill>
+          <a:ln w="28575">
+            <a:noFill/>
+            <a:headEnd type="none" w="med" len="med"/>
+            <a:tailEnd type="none" w="med" len="med"/>
+          </a:ln>
+          <a:effectLst/>
+        </p:spPr>
+        <p:style>
+          <a:lnRef idx="1">
+            <a:schemeClr val="accent2"/>
+          </a:lnRef>
+          <a:fillRef idx="3">
+            <a:schemeClr val="accent2"/>
+          </a:fillRef>
+          <a:effectRef idx="2">
+            <a:schemeClr val="accent2"/>
+          </a:effectRef>
+          <a:fontRef idx="minor">
+            <a:schemeClr val="lt1"/>
+          </a:fontRef>
+        </p:style>
+        <p:txBody>
+          <a:bodyPr rot="0" spcFirstLastPara="0" vertOverflow="overflow" horzOverflow="overflow" vert="horz" wrap="square" lIns="182880" tIns="146304" rIns="182880" bIns="146304" numCol="1" spcCol="0" rtlCol="0" fromWordArt="0" anchor="t" anchorCtr="0" forceAA="0" compatLnSpc="1">
+            <a:prstTxWarp prst="textNoShape">
+              <a:avLst/>
+            </a:prstTxWarp>
+            <a:noAutofit/>
+          </a:bodyPr>
+          <a:lstStyle/>
+          <a:p>
+            <a:pPr defTabSz="932472" fontAlgn="base">
+              <a:spcBef>
+                <a:spcPct val="0"/>
+              </a:spcBef>
+              <a:spcAft>
+                <a:spcPct val="0"/>
+              </a:spcAft>
+            </a:pPr>
+            <a:endParaRPr lang="en-US" sz="2000" b="1" dirty="0" err="1">
+              <a:solidFill>
+                <a:srgbClr val="FFFFFF"/>
+              </a:solidFill>
+              <a:cs typeface="Segoe UI" pitchFamily="34" charset="0"/>
+            </a:endParaRPr>
+          </a:p>
+        </p:txBody>
+      </p:sp>
+      <p:cxnSp>
+        <p:nvCxnSpPr>
+          <p:cNvPr id="39" name="Straight Connector 38">
+            <a:extLst>
+              <a:ext uri="{FF2B5EF4-FFF2-40B4-BE49-F238E27FC236}">
+                <a16:creationId xmlns:a16="http://schemas.microsoft.com/office/drawing/2014/main" id="{AEC929A8-CDCF-0E54-E58A-33844AF17C3F}"/>
+              </a:ext>
+            </a:extLst>
+          </p:cNvPr>
+          <p:cNvCxnSpPr>
+            <a:cxnSpLocks/>
+          </p:cNvCxnSpPr>
+          <p:nvPr/>
+        </p:nvCxnSpPr>
+        <p:spPr>
+          <a:xfrm>
+            <a:off x="9537175" y="4993534"/>
+            <a:ext cx="2377440" cy="0"/>
+          </a:xfrm>
+          <a:prstGeom prst="line">
+            <a:avLst/>
+          </a:prstGeom>
+          <a:ln w="57150">
+            <a:solidFill>
+              <a:srgbClr val="0070C0"/>
+            </a:solidFill>
+            <a:headEnd type="none" w="lg" len="med"/>
+            <a:tailEnd type="none" w="lg" len="med"/>
+          </a:ln>
+        </p:spPr>
+        <p:style>
+          <a:lnRef idx="1">
+            <a:schemeClr val="accent1"/>
+          </a:lnRef>
+          <a:fillRef idx="0">
+            <a:schemeClr val="accent1"/>
+          </a:fillRef>
+          <a:effectRef idx="0">
+            <a:schemeClr val="accent1"/>
+          </a:effectRef>
+          <a:fontRef idx="minor">
+            <a:schemeClr val="tx1"/>
+          </a:fontRef>
+        </p:style>
+      </p:cxnSp>
+      <p:sp>
+        <p:nvSpPr>
+          <p:cNvPr id="40" name="TextBox 39">
+            <a:extLst>
+              <a:ext uri="{FF2B5EF4-FFF2-40B4-BE49-F238E27FC236}">
+                <a16:creationId xmlns:a16="http://schemas.microsoft.com/office/drawing/2014/main" id="{F81C2D54-C2D4-5149-26E0-D6DAB3DB1F28}"/>
+              </a:ext>
+            </a:extLst>
+          </p:cNvPr>
+          <p:cNvSpPr txBox="1"/>
+          <p:nvPr/>
+        </p:nvSpPr>
+        <p:spPr>
+          <a:xfrm>
+            <a:off x="10369175" y="3642207"/>
+            <a:ext cx="1545439" cy="246221"/>
+          </a:xfrm>
+          <a:prstGeom prst="rect">
+            <a:avLst/>
+          </a:prstGeom>
+          <a:noFill/>
+        </p:spPr>
+        <p:txBody>
+          <a:bodyPr wrap="square" lIns="0" tIns="0" rIns="0" bIns="0" rtlCol="0">
+            <a:spAutoFit/>
+          </a:bodyPr>
+          <a:lstStyle/>
+          <a:p>
+            <a:r>
+              <a:rPr lang="en-US" sz="1600" dirty="0"/>
+              <a:t>Verified ID</a:t>
+            </a:r>
+          </a:p>
+        </p:txBody>
+      </p:sp>
+      <p:pic>
+        <p:nvPicPr>
+          <p:cNvPr id="11" name="Graphic 10">
+            <a:extLst>
+              <a:ext uri="{FF2B5EF4-FFF2-40B4-BE49-F238E27FC236}">
+                <a16:creationId xmlns:a16="http://schemas.microsoft.com/office/drawing/2014/main" id="{EDAA4841-6348-E4F5-0C8E-99EDBA7D47F3}"/>
+              </a:ext>
+            </a:extLst>
+          </p:cNvPr>
+          <p:cNvPicPr>
+            <a:picLocks noChangeAspect="1"/>
+          </p:cNvPicPr>
+          <p:nvPr/>
+        </p:nvPicPr>
+        <p:blipFill>
+          <a:blip r:embed="rId6">
+            <a:extLst>
+              <a:ext uri="{96DAC541-7B7A-43D3-8B79-37D633B846F1}">
+                <asvg:svgBlip xmlns:asvg="http://schemas.microsoft.com/office/drawing/2016/SVG/main" r:embed="rId7"/>
+              </a:ext>
+            </a:extLst>
+          </a:blip>
+          <a:stretch>
+            <a:fillRect/>
+          </a:stretch>
+        </p:blipFill>
+        <p:spPr>
+          <a:xfrm>
+            <a:off x="9750919" y="3582437"/>
+            <a:ext cx="365760" cy="365760"/>
+          </a:xfrm>
+          <a:prstGeom prst="rect">
+            <a:avLst/>
+          </a:prstGeom>
+        </p:spPr>
+      </p:pic>
+      <p:sp>
+        <p:nvSpPr>
+          <p:cNvPr id="41" name="TextBox 40">
+            <a:extLst>
+              <a:ext uri="{FF2B5EF4-FFF2-40B4-BE49-F238E27FC236}">
+                <a16:creationId xmlns:a16="http://schemas.microsoft.com/office/drawing/2014/main" id="{153DB2AA-B1EB-46F0-0B65-9FA3F0AA6145}"/>
+              </a:ext>
+            </a:extLst>
+          </p:cNvPr>
+          <p:cNvSpPr txBox="1"/>
+          <p:nvPr/>
+        </p:nvSpPr>
+        <p:spPr>
+          <a:xfrm>
+            <a:off x="9537175" y="3116885"/>
+            <a:ext cx="2377440" cy="246221"/>
+          </a:xfrm>
+          <a:prstGeom prst="rect">
+            <a:avLst/>
+          </a:prstGeom>
+          <a:noFill/>
+        </p:spPr>
+        <p:txBody>
+          <a:bodyPr wrap="square" lIns="0" tIns="0" rIns="0" bIns="0" rtlCol="0">
+            <a:spAutoFit/>
+          </a:bodyPr>
+          <a:lstStyle/>
+          <a:p>
+            <a:pPr algn="ctr"/>
+            <a:r>
+              <a:rPr lang="en-US" sz="1600" dirty="0"/>
+              <a:t>Microsoft Entra ID</a:t>
+            </a:r>
+          </a:p>
+        </p:txBody>
+      </p:sp>
+      <p:pic>
+        <p:nvPicPr>
+          <p:cNvPr id="14" name="Graphic 13">
+            <a:extLst>
+              <a:ext uri="{FF2B5EF4-FFF2-40B4-BE49-F238E27FC236}">
+                <a16:creationId xmlns:a16="http://schemas.microsoft.com/office/drawing/2014/main" id="{2F7684D6-741F-D1DA-F34A-EFD40A8FD97D}"/>
+              </a:ext>
+            </a:extLst>
+          </p:cNvPr>
+          <p:cNvPicPr>
+            <a:picLocks noChangeAspect="1"/>
+          </p:cNvPicPr>
+          <p:nvPr/>
+        </p:nvPicPr>
+        <p:blipFill>
+          <a:blip r:embed="rId8">
+            <a:extLst>
+              <a:ext uri="{96DAC541-7B7A-43D3-8B79-37D633B846F1}">
+                <asvg:svgBlip xmlns:asvg="http://schemas.microsoft.com/office/drawing/2016/SVG/main" r:embed="rId9"/>
+              </a:ext>
+            </a:extLst>
+          </a:blip>
+          <a:stretch>
+            <a:fillRect/>
+          </a:stretch>
+        </p:blipFill>
+        <p:spPr>
+          <a:xfrm>
+            <a:off x="9750919" y="4294524"/>
+            <a:ext cx="365760" cy="365760"/>
+          </a:xfrm>
+          <a:prstGeom prst="rect">
+            <a:avLst/>
+          </a:prstGeom>
+        </p:spPr>
+      </p:pic>
+      <p:sp>
+        <p:nvSpPr>
+          <p:cNvPr id="42" name="TextBox 41">
+            <a:extLst>
+              <a:ext uri="{FF2B5EF4-FFF2-40B4-BE49-F238E27FC236}">
+                <a16:creationId xmlns:a16="http://schemas.microsoft.com/office/drawing/2014/main" id="{6545A0EA-8BBC-1495-7EF3-CA1235C7649E}"/>
+              </a:ext>
+            </a:extLst>
+          </p:cNvPr>
+          <p:cNvSpPr txBox="1"/>
+          <p:nvPr/>
+        </p:nvSpPr>
+        <p:spPr>
+          <a:xfrm>
+            <a:off x="10369175" y="4354294"/>
+            <a:ext cx="1545439" cy="246221"/>
+          </a:xfrm>
+          <a:prstGeom prst="rect">
+            <a:avLst/>
+          </a:prstGeom>
+          <a:noFill/>
+        </p:spPr>
+        <p:txBody>
+          <a:bodyPr wrap="square" lIns="0" tIns="0" rIns="0" bIns="0" rtlCol="0">
+            <a:spAutoFit/>
+          </a:bodyPr>
+          <a:lstStyle/>
+          <a:p>
+            <a:r>
+              <a:rPr lang="en-US" sz="1600" dirty="0"/>
+              <a:t>Authorization</a:t>
+            </a:r>
+          </a:p>
+        </p:txBody>
+      </p:sp>
+      <p:cxnSp>
+        <p:nvCxnSpPr>
+          <p:cNvPr id="44" name="Connector: Curved 43">
+            <a:extLst>
+              <a:ext uri="{FF2B5EF4-FFF2-40B4-BE49-F238E27FC236}">
+                <a16:creationId xmlns:a16="http://schemas.microsoft.com/office/drawing/2014/main" id="{71FF8330-8CCE-3C8E-3D34-A4C31AFD6462}"/>
+              </a:ext>
+            </a:extLst>
+          </p:cNvPr>
+          <p:cNvCxnSpPr>
+            <a:stCxn id="26" idx="2"/>
+            <a:endCxn id="14" idx="2"/>
+          </p:cNvCxnSpPr>
+          <p:nvPr/>
+        </p:nvCxnSpPr>
+        <p:spPr>
+          <a:xfrm rot="5400000" flipH="1" flipV="1">
+            <a:off x="8609152" y="3644111"/>
+            <a:ext cx="308474" cy="2340820"/>
+          </a:xfrm>
+          <a:prstGeom prst="curvedConnector3">
+            <a:avLst>
+              <a:gd name="adj1" fmla="val -259374"/>
+            </a:avLst>
+          </a:prstGeom>
+          <a:ln>
+            <a:solidFill>
+              <a:schemeClr val="accent3"/>
+            </a:solidFill>
+            <a:prstDash val="sysDash"/>
+            <a:tailEnd type="triangle"/>
+          </a:ln>
+        </p:spPr>
+        <p:style>
+          <a:lnRef idx="2">
+            <a:schemeClr val="accent1"/>
+          </a:lnRef>
+          <a:fillRef idx="0">
+            <a:schemeClr val="accent1"/>
+          </a:fillRef>
+          <a:effectRef idx="1">
+            <a:schemeClr val="accent1"/>
+          </a:effectRef>
+          <a:fontRef idx="minor">
+            <a:schemeClr val="tx1"/>
+          </a:fontRef>
+        </p:style>
+      </p:cxnSp>
+      <p:sp>
+        <p:nvSpPr>
+          <p:cNvPr id="46" name="TextBox 45">
+            <a:extLst>
+              <a:ext uri="{FF2B5EF4-FFF2-40B4-BE49-F238E27FC236}">
+                <a16:creationId xmlns:a16="http://schemas.microsoft.com/office/drawing/2014/main" id="{22411179-1727-FC4B-CFDB-5DD2CF30A224}"/>
+              </a:ext>
+            </a:extLst>
+          </p:cNvPr>
+          <p:cNvSpPr txBox="1"/>
+          <p:nvPr/>
+        </p:nvSpPr>
+        <p:spPr>
+          <a:xfrm>
+            <a:off x="7463915" y="5762717"/>
+            <a:ext cx="2377440" cy="246221"/>
+          </a:xfrm>
+          <a:prstGeom prst="rect">
+            <a:avLst/>
+          </a:prstGeom>
+          <a:noFill/>
+        </p:spPr>
+        <p:txBody>
+          <a:bodyPr wrap="square" lIns="0" tIns="0" rIns="0" bIns="0" rtlCol="0">
+            <a:spAutoFit/>
+          </a:bodyPr>
+          <a:lstStyle/>
+          <a:p>
+            <a:pPr algn="ctr"/>
+            <a:r>
+              <a:rPr lang="en-US" sz="1600" dirty="0"/>
+              <a:t>Obtain an access token</a:t>
+            </a:r>
+            <a:endParaRPr lang="en-US" sz="1600" b="1" dirty="0"/>
+          </a:p>
+        </p:txBody>
+      </p:sp>
+      <p:cxnSp>
+        <p:nvCxnSpPr>
+          <p:cNvPr id="48" name="Connector: Elbow 47">
+            <a:extLst>
+              <a:ext uri="{FF2B5EF4-FFF2-40B4-BE49-F238E27FC236}">
+                <a16:creationId xmlns:a16="http://schemas.microsoft.com/office/drawing/2014/main" id="{06FFD4EC-2536-65D9-FDD2-3C788702F6DE}"/>
+              </a:ext>
+            </a:extLst>
+          </p:cNvPr>
+          <p:cNvCxnSpPr>
+            <a:cxnSpLocks/>
+            <a:stCxn id="26" idx="1"/>
+            <a:endCxn id="49" idx="2"/>
+          </p:cNvCxnSpPr>
+          <p:nvPr/>
+        </p:nvCxnSpPr>
+        <p:spPr>
+          <a:xfrm rot="10800000">
+            <a:off x="4200531" y="1536332"/>
+            <a:ext cx="2203729" cy="2629601"/>
+          </a:xfrm>
+          <a:prstGeom prst="bentConnector3">
+            <a:avLst>
+              <a:gd name="adj1" fmla="val 110373"/>
+            </a:avLst>
+          </a:prstGeom>
+          <a:ln>
+            <a:solidFill>
+              <a:schemeClr val="accent3"/>
+            </a:solidFill>
+            <a:tailEnd type="triangle"/>
+          </a:ln>
+        </p:spPr>
+        <p:style>
+          <a:lnRef idx="2">
+            <a:schemeClr val="accent1"/>
+          </a:lnRef>
+          <a:fillRef idx="0">
+            <a:schemeClr val="accent1"/>
+          </a:fillRef>
+          <a:effectRef idx="1">
+            <a:schemeClr val="accent1"/>
+          </a:effectRef>
+          <a:fontRef idx="minor">
+            <a:schemeClr val="tx1"/>
+          </a:fontRef>
+        </p:style>
+      </p:cxnSp>
+      <p:sp>
+        <p:nvSpPr>
+          <p:cNvPr id="49" name="Oval 48">
+            <a:extLst>
+              <a:ext uri="{FF2B5EF4-FFF2-40B4-BE49-F238E27FC236}">
+                <a16:creationId xmlns:a16="http://schemas.microsoft.com/office/drawing/2014/main" id="{422A8618-67AB-90FA-6C94-40CBFC8AE1E2}"/>
+              </a:ext>
+            </a:extLst>
+          </p:cNvPr>
+          <p:cNvSpPr/>
+          <p:nvPr/>
+        </p:nvSpPr>
+        <p:spPr>
+          <a:xfrm>
+            <a:off x="4200530" y="1458174"/>
+            <a:ext cx="156314" cy="156314"/>
+          </a:xfrm>
+          <a:prstGeom prst="ellipse">
+            <a:avLst/>
+          </a:prstGeom>
+          <a:noFill/>
+          <a:ln>
+            <a:noFill/>
+          </a:ln>
+        </p:spPr>
+        <p:style>
+          <a:lnRef idx="2">
+            <a:schemeClr val="accent1">
+              <a:shade val="15000"/>
+            </a:schemeClr>
+          </a:lnRef>
+          <a:fillRef idx="1">
+            <a:schemeClr val="accent1"/>
+          </a:fillRef>
+          <a:effectRef idx="0">
+            <a:schemeClr val="accent1"/>
+          </a:effectRef>
+          <a:fontRef idx="minor">
+            <a:schemeClr val="lt1"/>
+          </a:fontRef>
+        </p:style>
+        <p:txBody>
+          <a:bodyPr rtlCol="0" anchor="ctr"/>
+          <a:lstStyle/>
+          <a:p>
+            <a:pPr algn="ctr"/>
+            <a:endParaRPr lang="LID4096"/>
+          </a:p>
+        </p:txBody>
+      </p:sp>
+      <p:sp>
+        <p:nvSpPr>
+          <p:cNvPr id="51" name="Rectangle: Rounded Corners 50">
+            <a:extLst>
+              <a:ext uri="{FF2B5EF4-FFF2-40B4-BE49-F238E27FC236}">
+                <a16:creationId xmlns:a16="http://schemas.microsoft.com/office/drawing/2014/main" id="{E50CC4E6-05A3-8FC4-60CB-5040FBFC7465}"/>
+              </a:ext>
+            </a:extLst>
+          </p:cNvPr>
+          <p:cNvSpPr/>
+          <p:nvPr/>
+        </p:nvSpPr>
+        <p:spPr>
+          <a:xfrm>
+            <a:off x="4196813" y="3860983"/>
+            <a:ext cx="1293302" cy="271430"/>
+          </a:xfrm>
+          <a:prstGeom prst="roundRect">
+            <a:avLst>
+              <a:gd name="adj" fmla="val 50000"/>
+            </a:avLst>
+          </a:prstGeom>
+          <a:solidFill>
+            <a:schemeClr val="accent3"/>
+          </a:solidFill>
+          <a:ln>
+            <a:noFill/>
+          </a:ln>
+        </p:spPr>
+        <p:style>
+          <a:lnRef idx="2">
+            <a:schemeClr val="accent1">
+              <a:shade val="15000"/>
+            </a:schemeClr>
+          </a:lnRef>
+          <a:fillRef idx="1">
+            <a:schemeClr val="accent1"/>
+          </a:fillRef>
+          <a:effectRef idx="0">
+            <a:schemeClr val="accent1"/>
+          </a:effectRef>
+          <a:fontRef idx="minor">
+            <a:schemeClr val="lt1"/>
+          </a:fontRef>
+        </p:style>
+        <p:txBody>
+          <a:bodyPr rtlCol="0" anchor="ctr"/>
+          <a:lstStyle/>
+          <a:p>
+            <a:pPr algn="ctr"/>
+            <a:r>
+              <a:rPr lang="en-US" sz="1400" dirty="0"/>
+              <a:t>Bearer token</a:t>
+            </a:r>
+            <a:endParaRPr lang="LID4096" sz="1400" dirty="0"/>
+          </a:p>
+        </p:txBody>
+      </p:sp>
+      <p:cxnSp>
+        <p:nvCxnSpPr>
+          <p:cNvPr id="53" name="Connector: Elbow 52">
+            <a:extLst>
+              <a:ext uri="{FF2B5EF4-FFF2-40B4-BE49-F238E27FC236}">
+                <a16:creationId xmlns:a16="http://schemas.microsoft.com/office/drawing/2014/main" id="{61C6E226-FF17-5EC7-8369-FFCAF62A9C06}"/>
+              </a:ext>
+            </a:extLst>
+          </p:cNvPr>
+          <p:cNvCxnSpPr>
+            <a:cxnSpLocks/>
+            <a:stCxn id="11" idx="1"/>
+            <a:endCxn id="54" idx="6"/>
+          </p:cNvCxnSpPr>
+          <p:nvPr/>
+        </p:nvCxnSpPr>
+        <p:spPr>
+          <a:xfrm rot="10800000">
+            <a:off x="5180947" y="2138971"/>
+            <a:ext cx="4569972" cy="1626347"/>
+          </a:xfrm>
+          <a:prstGeom prst="bentConnector3">
+            <a:avLst>
+              <a:gd name="adj1" fmla="val 13890"/>
+            </a:avLst>
+          </a:prstGeom>
+          <a:ln>
+            <a:solidFill>
+              <a:srgbClr val="0070C0"/>
+            </a:solidFill>
+            <a:tailEnd type="triangle"/>
+          </a:ln>
+        </p:spPr>
+        <p:style>
+          <a:lnRef idx="2">
+            <a:schemeClr val="accent1"/>
+          </a:lnRef>
+          <a:fillRef idx="0">
+            <a:schemeClr val="accent1"/>
+          </a:fillRef>
+          <a:effectRef idx="1">
+            <a:schemeClr val="accent1"/>
+          </a:effectRef>
+          <a:fontRef idx="minor">
+            <a:schemeClr val="tx1"/>
+          </a:fontRef>
+        </p:style>
+      </p:cxnSp>
+      <p:sp>
+        <p:nvSpPr>
+          <p:cNvPr id="54" name="Oval 53">
+            <a:extLst>
+              <a:ext uri="{FF2B5EF4-FFF2-40B4-BE49-F238E27FC236}">
+                <a16:creationId xmlns:a16="http://schemas.microsoft.com/office/drawing/2014/main" id="{9D898111-C811-D9D7-C1E3-2A6FB6258C31}"/>
+              </a:ext>
+            </a:extLst>
+          </p:cNvPr>
+          <p:cNvSpPr/>
+          <p:nvPr/>
+        </p:nvSpPr>
+        <p:spPr>
+          <a:xfrm>
+            <a:off x="5024633" y="2060813"/>
+            <a:ext cx="156314" cy="156314"/>
+          </a:xfrm>
+          <a:prstGeom prst="ellipse">
+            <a:avLst/>
+          </a:prstGeom>
+          <a:noFill/>
+          <a:ln>
+            <a:noFill/>
+          </a:ln>
+        </p:spPr>
+        <p:style>
+          <a:lnRef idx="2">
+            <a:schemeClr val="accent1">
+              <a:shade val="15000"/>
+            </a:schemeClr>
+          </a:lnRef>
+          <a:fillRef idx="1">
+            <a:schemeClr val="accent1"/>
+          </a:fillRef>
+          <a:effectRef idx="0">
+            <a:schemeClr val="accent1"/>
+          </a:effectRef>
+          <a:fontRef idx="minor">
+            <a:schemeClr val="lt1"/>
+          </a:fontRef>
+        </p:style>
+        <p:txBody>
+          <a:bodyPr rtlCol="0" anchor="ctr"/>
+          <a:lstStyle/>
+          <a:p>
+            <a:pPr algn="ctr"/>
+            <a:endParaRPr lang="LID4096"/>
+          </a:p>
+        </p:txBody>
+      </p:sp>
+      <p:sp>
+        <p:nvSpPr>
+          <p:cNvPr id="62" name="TextBox 61">
+            <a:extLst>
+              <a:ext uri="{FF2B5EF4-FFF2-40B4-BE49-F238E27FC236}">
+                <a16:creationId xmlns:a16="http://schemas.microsoft.com/office/drawing/2014/main" id="{1D663013-500D-E00E-D1B1-DD321BDF30A1}"/>
+              </a:ext>
+            </a:extLst>
+          </p:cNvPr>
+          <p:cNvSpPr txBox="1"/>
+          <p:nvPr/>
+        </p:nvSpPr>
+        <p:spPr>
+          <a:xfrm rot="16200000">
+            <a:off x="1377066" y="1592082"/>
+            <a:ext cx="2377440" cy="246221"/>
+          </a:xfrm>
+          <a:prstGeom prst="rect">
+            <a:avLst/>
+          </a:prstGeom>
+          <a:noFill/>
+        </p:spPr>
+        <p:txBody>
+          <a:bodyPr wrap="square" lIns="0" tIns="0" rIns="0" bIns="0" rtlCol="0">
+            <a:spAutoFit/>
+          </a:bodyPr>
+          <a:lstStyle/>
+          <a:p>
+            <a:pPr algn="ctr"/>
+            <a:r>
+              <a:rPr lang="en-US" sz="1600" dirty="0"/>
+              <a:t>Private access</a:t>
+            </a:r>
+            <a:endParaRPr lang="en-US" sz="1600" b="1" dirty="0"/>
+          </a:p>
+        </p:txBody>
+      </p:sp>
+      <p:sp>
+        <p:nvSpPr>
+          <p:cNvPr id="63" name="Rectangle: Rounded Corners 62">
+            <a:extLst>
+              <a:ext uri="{FF2B5EF4-FFF2-40B4-BE49-F238E27FC236}">
+                <a16:creationId xmlns:a16="http://schemas.microsoft.com/office/drawing/2014/main" id="{46BAEECB-B237-741B-9B4D-ADD7D4A8DED5}"/>
+              </a:ext>
+            </a:extLst>
+          </p:cNvPr>
+          <p:cNvSpPr/>
+          <p:nvPr/>
+        </p:nvSpPr>
+        <p:spPr>
+          <a:xfrm>
+            <a:off x="7181620" y="1827519"/>
+            <a:ext cx="1293302" cy="271430"/>
+          </a:xfrm>
+          <a:prstGeom prst="roundRect">
+            <a:avLst>
+              <a:gd name="adj" fmla="val 50000"/>
+            </a:avLst>
+          </a:prstGeom>
+          <a:solidFill>
+            <a:srgbClr val="0070C0"/>
+          </a:solidFill>
+          <a:ln>
+            <a:noFill/>
+          </a:ln>
+        </p:spPr>
+        <p:style>
+          <a:lnRef idx="2">
+            <a:schemeClr val="accent1">
+              <a:shade val="15000"/>
+            </a:schemeClr>
+          </a:lnRef>
+          <a:fillRef idx="1">
+            <a:schemeClr val="accent1"/>
+          </a:fillRef>
+          <a:effectRef idx="0">
+            <a:schemeClr val="accent1"/>
+          </a:effectRef>
+          <a:fontRef idx="minor">
+            <a:schemeClr val="lt1"/>
+          </a:fontRef>
+        </p:style>
+        <p:txBody>
+          <a:bodyPr rtlCol="0" anchor="ctr"/>
+          <a:lstStyle/>
+          <a:p>
+            <a:pPr algn="ctr"/>
+            <a:r>
+              <a:rPr lang="en-US" sz="1400" dirty="0"/>
+              <a:t>API-key</a:t>
+            </a:r>
+            <a:endParaRPr lang="LID4096" sz="1400" dirty="0"/>
+          </a:p>
+        </p:txBody>
+      </p:sp>
+      <p:sp>
+        <p:nvSpPr>
+          <p:cNvPr id="64" name="Rectangle 63">
+            <a:extLst>
+              <a:ext uri="{FF2B5EF4-FFF2-40B4-BE49-F238E27FC236}">
+                <a16:creationId xmlns:a16="http://schemas.microsoft.com/office/drawing/2014/main" id="{CE4332F9-3208-137E-42D3-8C0F6C541F97}"/>
+              </a:ext>
+            </a:extLst>
+          </p:cNvPr>
+          <p:cNvSpPr/>
+          <p:nvPr/>
+        </p:nvSpPr>
+        <p:spPr>
+          <a:xfrm>
+            <a:off x="160020" y="53340"/>
+            <a:ext cx="11902440" cy="6165225"/>
+          </a:xfrm>
+          <a:prstGeom prst="rect">
+            <a:avLst/>
+          </a:prstGeom>
+          <a:noFill/>
+          <a:ln w="12700">
+            <a:solidFill>
+              <a:schemeClr val="bg1">
+                <a:lumMod val="85000"/>
+              </a:schemeClr>
+            </a:solidFill>
+          </a:ln>
+        </p:spPr>
+        <p:style>
+          <a:lnRef idx="2">
+            <a:schemeClr val="accent1">
+              <a:shade val="15000"/>
+            </a:schemeClr>
+          </a:lnRef>
+          <a:fillRef idx="1">
+            <a:schemeClr val="accent1"/>
+          </a:fillRef>
+          <a:effectRef idx="0">
+            <a:schemeClr val="accent1"/>
+          </a:effectRef>
+          <a:fontRef idx="minor">
+            <a:schemeClr val="lt1"/>
+          </a:fontRef>
+        </p:style>
+        <p:txBody>
+          <a:bodyPr rtlCol="0" anchor="ctr"/>
+          <a:lstStyle/>
+          <a:p>
+            <a:pPr algn="ctr"/>
+            <a:endParaRPr lang="LID4096"/>
+          </a:p>
+        </p:txBody>
+      </p:sp>
+    </p:spTree>
+    <p:extLst>
+      <p:ext uri="{BB962C8B-B14F-4D97-AF65-F5344CB8AC3E}">
+        <p14:creationId xmlns:p14="http://schemas.microsoft.com/office/powerpoint/2010/main" val="664566566"/>
       </p:ext>
     </p:extLst>
   </p:cSld>

--- a/help/Presentation.pptx
+++ b/help/Presentation.pptx
@@ -5311,10 +5311,10 @@
       </p:grpSpPr>
       <p:sp>
         <p:nvSpPr>
-          <p:cNvPr id="26" name="Rounded Rectangle 178">
-            <a:extLst>
-              <a:ext uri="{FF2B5EF4-FFF2-40B4-BE49-F238E27FC236}">
-                <a16:creationId xmlns:a16="http://schemas.microsoft.com/office/drawing/2014/main" id="{40508712-6301-6739-3502-1065B458C0E1}"/>
+          <p:cNvPr id="4" name="Rounded Rectangle 178">
+            <a:extLst>
+              <a:ext uri="{FF2B5EF4-FFF2-40B4-BE49-F238E27FC236}">
+                <a16:creationId xmlns:a16="http://schemas.microsoft.com/office/drawing/2014/main" id="{5BD7101F-31F9-C2D6-5E2C-D30BB324F866}"/>
               </a:ext>
             </a:extLst>
           </p:cNvPr>
@@ -5323,8 +5323,8 @@
         </p:nvSpPr>
         <p:spPr bwMode="auto">
           <a:xfrm>
-            <a:off x="6404259" y="3363106"/>
-            <a:ext cx="2377440" cy="1605652"/>
+            <a:off x="530663" y="377962"/>
+            <a:ext cx="2377440" cy="648581"/>
           </a:xfrm>
           <a:prstGeom prst="roundRect">
             <a:avLst>
@@ -5383,6 +5383,125 @@
           </a:p>
         </p:txBody>
       </p:sp>
+      <p:cxnSp>
+        <p:nvCxnSpPr>
+          <p:cNvPr id="6" name="Straight Connector 5">
+            <a:extLst>
+              <a:ext uri="{FF2B5EF4-FFF2-40B4-BE49-F238E27FC236}">
+                <a16:creationId xmlns:a16="http://schemas.microsoft.com/office/drawing/2014/main" id="{F1755E75-E4F3-A489-BBA9-ACA207E927F8}"/>
+              </a:ext>
+            </a:extLst>
+          </p:cNvPr>
+          <p:cNvCxnSpPr>
+            <a:cxnSpLocks/>
+          </p:cNvCxnSpPr>
+          <p:nvPr/>
+        </p:nvCxnSpPr>
+        <p:spPr>
+          <a:xfrm>
+            <a:off x="530663" y="1026544"/>
+            <a:ext cx="2377440" cy="0"/>
+          </a:xfrm>
+          <a:prstGeom prst="line">
+            <a:avLst/>
+          </a:prstGeom>
+          <a:ln w="57150">
+            <a:solidFill>
+              <a:srgbClr val="FFB900"/>
+            </a:solidFill>
+            <a:headEnd type="none" w="lg" len="med"/>
+            <a:tailEnd type="none" w="lg" len="med"/>
+          </a:ln>
+        </p:spPr>
+        <p:style>
+          <a:lnRef idx="1">
+            <a:schemeClr val="accent1"/>
+          </a:lnRef>
+          <a:fillRef idx="0">
+            <a:schemeClr val="accent1"/>
+          </a:fillRef>
+          <a:effectRef idx="0">
+            <a:schemeClr val="accent1"/>
+          </a:effectRef>
+          <a:fontRef idx="minor">
+            <a:schemeClr val="tx1"/>
+          </a:fontRef>
+        </p:style>
+      </p:cxnSp>
+      <p:sp>
+        <p:nvSpPr>
+          <p:cNvPr id="26" name="Rounded Rectangle 178">
+            <a:extLst>
+              <a:ext uri="{FF2B5EF4-FFF2-40B4-BE49-F238E27FC236}">
+                <a16:creationId xmlns:a16="http://schemas.microsoft.com/office/drawing/2014/main" id="{40508712-6301-6739-3502-1065B458C0E1}"/>
+              </a:ext>
+            </a:extLst>
+          </p:cNvPr>
+          <p:cNvSpPr/>
+          <p:nvPr/>
+        </p:nvSpPr>
+        <p:spPr bwMode="auto">
+          <a:xfrm>
+            <a:off x="6411693" y="4188391"/>
+            <a:ext cx="2377440" cy="1605652"/>
+          </a:xfrm>
+          <a:prstGeom prst="roundRect">
+            <a:avLst>
+              <a:gd name="adj" fmla="val 0"/>
+            </a:avLst>
+          </a:prstGeom>
+          <a:solidFill>
+            <a:schemeClr val="bg1">
+              <a:lumMod val="95000"/>
+            </a:schemeClr>
+          </a:solidFill>
+          <a:ln w="28575">
+            <a:noFill/>
+            <a:headEnd type="none" w="med" len="med"/>
+            <a:tailEnd type="none" w="med" len="med"/>
+          </a:ln>
+          <a:effectLst/>
+        </p:spPr>
+        <p:style>
+          <a:lnRef idx="1">
+            <a:schemeClr val="accent2"/>
+          </a:lnRef>
+          <a:fillRef idx="3">
+            <a:schemeClr val="accent2"/>
+          </a:fillRef>
+          <a:effectRef idx="2">
+            <a:schemeClr val="accent2"/>
+          </a:effectRef>
+          <a:fontRef idx="minor">
+            <a:schemeClr val="lt1"/>
+          </a:fontRef>
+        </p:style>
+        <p:txBody>
+          <a:bodyPr rot="0" spcFirstLastPara="0" vertOverflow="overflow" horzOverflow="overflow" vert="horz" wrap="square" lIns="182880" tIns="146304" rIns="182880" bIns="146304" numCol="1" spcCol="0" rtlCol="0" fromWordArt="0" anchor="t" anchorCtr="0" forceAA="0" compatLnSpc="1">
+            <a:prstTxWarp prst="textNoShape">
+              <a:avLst/>
+            </a:prstTxWarp>
+            <a:noAutofit/>
+          </a:bodyPr>
+          <a:lstStyle/>
+          <a:p>
+            <a:pPr defTabSz="932472" fontAlgn="base">
+              <a:spcBef>
+                <a:spcPct val="0"/>
+              </a:spcBef>
+              <a:spcAft>
+                <a:spcPct val="0"/>
+              </a:spcAft>
+            </a:pPr>
+            <a:endParaRPr lang="en-US" sz="2000" b="1" dirty="0" err="1">
+              <a:solidFill>
+                <a:srgbClr val="FFFFFF"/>
+              </a:solidFill>
+              <a:cs typeface="Segoe UI" pitchFamily="34" charset="0"/>
+            </a:endParaRPr>
+          </a:p>
+        </p:txBody>
+      </p:sp>
       <p:grpSp>
         <p:nvGrpSpPr>
           <p:cNvPr id="30" name="Graphic 8">
@@ -5397,7 +5516,7 @@
         </p:nvGrpSpPr>
         <p:grpSpPr>
           <a:xfrm>
-            <a:off x="6570244" y="3542157"/>
+            <a:off x="6577678" y="4367442"/>
             <a:ext cx="365761" cy="294050"/>
             <a:chOff x="5275818" y="4121141"/>
             <a:chExt cx="365761" cy="294050"/>
@@ -6602,7 +6721,7 @@
         </p:nvSpPr>
         <p:spPr bwMode="auto">
           <a:xfrm>
-            <a:off x="523229" y="910235"/>
+            <a:off x="530663" y="1735520"/>
             <a:ext cx="2377440" cy="1605652"/>
           </a:xfrm>
           <a:prstGeom prst="roundRect">
@@ -6676,7 +6795,7 @@
         </p:nvSpPr>
         <p:spPr>
           <a:xfrm>
-            <a:off x="3426885" y="639435"/>
+            <a:off x="3434319" y="1464720"/>
             <a:ext cx="2377440" cy="246221"/>
           </a:xfrm>
           <a:prstGeom prst="rect">
@@ -6715,7 +6834,7 @@
         </p:nvCxnSpPr>
         <p:spPr>
           <a:xfrm>
-            <a:off x="523229" y="2515887"/>
+            <a:off x="530663" y="3341172"/>
             <a:ext cx="2377440" cy="0"/>
           </a:xfrm>
           <a:prstGeom prst="line">
@@ -6772,7 +6891,7 @@
         </p:blipFill>
         <p:spPr>
           <a:xfrm>
-            <a:off x="700553" y="1092414"/>
+            <a:off x="707987" y="1917699"/>
             <a:ext cx="365760" cy="365760"/>
           </a:xfrm>
           <a:prstGeom prst="rect">
@@ -6794,7 +6913,7 @@
         </p:nvSpPr>
         <p:spPr>
           <a:xfrm>
-            <a:off x="1233190" y="1270447"/>
+            <a:off x="1240624" y="2095732"/>
             <a:ext cx="1545439" cy="984885"/>
           </a:xfrm>
           <a:prstGeom prst="rect">
@@ -6872,7 +6991,7 @@
         </p:nvSpPr>
         <p:spPr bwMode="auto">
           <a:xfrm>
-            <a:off x="3426885" y="910235"/>
+            <a:off x="3434319" y="1735520"/>
             <a:ext cx="2377440" cy="1605652"/>
           </a:xfrm>
           <a:prstGeom prst="roundRect">
@@ -6948,7 +7067,7 @@
         </p:nvCxnSpPr>
         <p:spPr>
           <a:xfrm>
-            <a:off x="3426885" y="2515887"/>
+            <a:off x="3434319" y="3341172"/>
             <a:ext cx="2377440" cy="0"/>
           </a:xfrm>
           <a:prstGeom prst="line">
@@ -6991,7 +7110,7 @@
         </p:nvSpPr>
         <p:spPr>
           <a:xfrm>
-            <a:off x="523229" y="653723"/>
+            <a:off x="530663" y="1479008"/>
             <a:ext cx="2377440" cy="246221"/>
           </a:xfrm>
           <a:prstGeom prst="rect">
@@ -7042,7 +7161,7 @@
         </p:blipFill>
         <p:spPr>
           <a:xfrm>
-            <a:off x="3604209" y="1181079"/>
+            <a:off x="3611643" y="2006364"/>
             <a:ext cx="365760" cy="365760"/>
           </a:xfrm>
           <a:prstGeom prst="rect">
@@ -7064,7 +7183,7 @@
         </p:nvSpPr>
         <p:spPr>
           <a:xfrm>
-            <a:off x="4258886" y="1270446"/>
+            <a:off x="4266320" y="2095731"/>
             <a:ext cx="1545439" cy="984885"/>
           </a:xfrm>
           <a:prstGeom prst="rect">
@@ -7117,7 +7236,7 @@
         </p:nvCxnSpPr>
         <p:spPr>
           <a:xfrm flipH="1">
-            <a:off x="2900669" y="1713061"/>
+            <a:off x="2908103" y="2538346"/>
             <a:ext cx="526216" cy="0"/>
           </a:xfrm>
           <a:prstGeom prst="straightConnector1">
@@ -7161,7 +7280,7 @@
         </p:nvSpPr>
         <p:spPr>
           <a:xfrm>
-            <a:off x="6404259" y="3102549"/>
+            <a:off x="6411693" y="3927834"/>
             <a:ext cx="2377440" cy="246221"/>
           </a:xfrm>
           <a:prstGeom prst="rect">
@@ -7198,7 +7317,7 @@
         </p:nvSpPr>
         <p:spPr>
           <a:xfrm>
-            <a:off x="7244087" y="3836207"/>
+            <a:off x="7251521" y="4661492"/>
             <a:ext cx="1541329" cy="738664"/>
           </a:xfrm>
           <a:prstGeom prst="rect">
@@ -7247,7 +7366,7 @@
         </p:nvCxnSpPr>
         <p:spPr>
           <a:xfrm>
-            <a:off x="6404259" y="4968758"/>
+            <a:off x="6411693" y="5794043"/>
             <a:ext cx="2377440" cy="0"/>
           </a:xfrm>
           <a:prstGeom prst="line">
@@ -7290,7 +7409,7 @@
         </p:nvSpPr>
         <p:spPr bwMode="auto">
           <a:xfrm>
-            <a:off x="9537175" y="3387882"/>
+            <a:off x="9544609" y="4213167"/>
             <a:ext cx="2377440" cy="1605652"/>
           </a:xfrm>
           <a:prstGeom prst="roundRect">
@@ -7366,7 +7485,7 @@
         </p:nvCxnSpPr>
         <p:spPr>
           <a:xfrm>
-            <a:off x="9537175" y="4993534"/>
+            <a:off x="9544609" y="5818819"/>
             <a:ext cx="2377440" cy="0"/>
           </a:xfrm>
           <a:prstGeom prst="line">
@@ -7409,7 +7528,7 @@
         </p:nvSpPr>
         <p:spPr>
           <a:xfrm>
-            <a:off x="10369175" y="3642207"/>
+            <a:off x="10376609" y="4467492"/>
             <a:ext cx="1545439" cy="246221"/>
           </a:xfrm>
           <a:prstGeom prst="rect">
@@ -7458,7 +7577,7 @@
         </p:blipFill>
         <p:spPr>
           <a:xfrm>
-            <a:off x="9750919" y="3582437"/>
+            <a:off x="9758353" y="4407722"/>
             <a:ext cx="365760" cy="365760"/>
           </a:xfrm>
           <a:prstGeom prst="rect">
@@ -7480,7 +7599,7 @@
         </p:nvSpPr>
         <p:spPr>
           <a:xfrm>
-            <a:off x="9537175" y="3116885"/>
+            <a:off x="9544609" y="3942170"/>
             <a:ext cx="2377440" cy="246221"/>
           </a:xfrm>
           <a:prstGeom prst="rect">
@@ -7530,7 +7649,7 @@
         </p:blipFill>
         <p:spPr>
           <a:xfrm>
-            <a:off x="9750919" y="4294524"/>
+            <a:off x="9758353" y="5119809"/>
             <a:ext cx="365760" cy="365760"/>
           </a:xfrm>
           <a:prstGeom prst="rect">
@@ -7552,7 +7671,7 @@
         </p:nvSpPr>
         <p:spPr>
           <a:xfrm>
-            <a:off x="10369175" y="4354294"/>
+            <a:off x="10376609" y="5179579"/>
             <a:ext cx="1545439" cy="246221"/>
           </a:xfrm>
           <a:prstGeom prst="rect">
@@ -7590,12 +7709,12 @@
         </p:nvCxnSpPr>
         <p:spPr>
           <a:xfrm rot="5400000" flipH="1" flipV="1">
-            <a:off x="8609152" y="3644111"/>
+            <a:off x="8616586" y="4469396"/>
             <a:ext cx="308474" cy="2340820"/>
           </a:xfrm>
           <a:prstGeom prst="curvedConnector3">
             <a:avLst>
-              <a:gd name="adj1" fmla="val -259374"/>
+              <a:gd name="adj1" fmla="val -196714"/>
             </a:avLst>
           </a:prstGeom>
           <a:ln>
@@ -7635,7 +7754,7 @@
         </p:nvSpPr>
         <p:spPr>
           <a:xfrm>
-            <a:off x="7463915" y="5762717"/>
+            <a:off x="7600413" y="6375422"/>
             <a:ext cx="2377440" cy="246221"/>
           </a:xfrm>
           <a:prstGeom prst="rect">
@@ -7676,7 +7795,7 @@
         </p:nvCxnSpPr>
         <p:spPr>
           <a:xfrm rot="10800000">
-            <a:off x="4200531" y="1536332"/>
+            <a:off x="4207965" y="2361617"/>
             <a:ext cx="2203729" cy="2629601"/>
           </a:xfrm>
           <a:prstGeom prst="bentConnector3">
@@ -7720,7 +7839,7 @@
         </p:nvSpPr>
         <p:spPr>
           <a:xfrm>
-            <a:off x="4200530" y="1458174"/>
+            <a:off x="4207964" y="2283459"/>
             <a:ext cx="156314" cy="156314"/>
           </a:xfrm>
           <a:prstGeom prst="ellipse">
@@ -7770,7 +7889,7 @@
         </p:nvSpPr>
         <p:spPr>
           <a:xfrm>
-            <a:off x="4196813" y="3860983"/>
+            <a:off x="4204247" y="4686268"/>
             <a:ext cx="1293302" cy="271430"/>
           </a:xfrm>
           <a:prstGeom prst="roundRect">
@@ -7832,7 +7951,7 @@
         </p:nvCxnSpPr>
         <p:spPr>
           <a:xfrm rot="10800000">
-            <a:off x="5180947" y="2138971"/>
+            <a:off x="5188381" y="2964256"/>
             <a:ext cx="4569972" cy="1626347"/>
           </a:xfrm>
           <a:prstGeom prst="bentConnector3">
@@ -7876,7 +7995,7 @@
         </p:nvSpPr>
         <p:spPr>
           <a:xfrm>
-            <a:off x="5024633" y="2060813"/>
+            <a:off x="5032067" y="2886098"/>
             <a:ext cx="156314" cy="156314"/>
           </a:xfrm>
           <a:prstGeom prst="ellipse">
@@ -7926,8 +8045,8 @@
         </p:nvSpPr>
         <p:spPr>
           <a:xfrm rot="16200000">
-            <a:off x="1377066" y="1592082"/>
-            <a:ext cx="2377440" cy="246221"/>
+            <a:off x="1798035" y="2387596"/>
+            <a:ext cx="1550373" cy="246221"/>
           </a:xfrm>
           <a:prstGeom prst="rect">
             <a:avLst/>
@@ -7963,7 +8082,7 @@
         </p:nvSpPr>
         <p:spPr>
           <a:xfrm>
-            <a:off x="7181620" y="1827519"/>
+            <a:off x="7189054" y="2652804"/>
             <a:ext cx="1293302" cy="271430"/>
           </a:xfrm>
           <a:prstGeom prst="roundRect">
@@ -8021,8 +8140,8 @@
         </p:nvSpPr>
         <p:spPr>
           <a:xfrm>
-            <a:off x="160020" y="53340"/>
-            <a:ext cx="11902440" cy="6165225"/>
+            <a:off x="167454" y="59473"/>
+            <a:ext cx="11902440" cy="6668429"/>
           </a:xfrm>
           <a:prstGeom prst="rect">
             <a:avLst/>
@@ -8061,6 +8180,161 @@
           </a:p>
         </p:txBody>
       </p:sp>
+      <p:pic>
+        <p:nvPicPr>
+          <p:cNvPr id="3" name="Graphic 2">
+            <a:extLst>
+              <a:ext uri="{FF2B5EF4-FFF2-40B4-BE49-F238E27FC236}">
+                <a16:creationId xmlns:a16="http://schemas.microsoft.com/office/drawing/2014/main" id="{C19D84D9-C47F-3501-8BD2-0AFA78FB41DE}"/>
+              </a:ext>
+            </a:extLst>
+          </p:cNvPr>
+          <p:cNvPicPr>
+            <a:picLocks noChangeAspect="1"/>
+          </p:cNvPicPr>
+          <p:nvPr/>
+        </p:nvPicPr>
+        <p:blipFill>
+          <a:blip r:embed="rId10">
+            <a:extLst>
+              <a:ext uri="{96DAC541-7B7A-43D3-8B79-37D633B846F1}">
+                <asvg:svgBlip xmlns:asvg="http://schemas.microsoft.com/office/drawing/2016/SVG/main" r:embed="rId11"/>
+              </a:ext>
+            </a:extLst>
+          </a:blip>
+          <a:stretch>
+            <a:fillRect/>
+          </a:stretch>
+        </p:blipFill>
+        <p:spPr>
+          <a:xfrm>
+            <a:off x="634741" y="491957"/>
+            <a:ext cx="365760" cy="365760"/>
+          </a:xfrm>
+          <a:prstGeom prst="rect">
+            <a:avLst/>
+          </a:prstGeom>
+        </p:spPr>
+      </p:pic>
+      <p:sp>
+        <p:nvSpPr>
+          <p:cNvPr id="8" name="TextBox 7">
+            <a:extLst>
+              <a:ext uri="{FF2B5EF4-FFF2-40B4-BE49-F238E27FC236}">
+                <a16:creationId xmlns:a16="http://schemas.microsoft.com/office/drawing/2014/main" id="{81290D5F-1E6F-DF87-45E0-7FB123D004EC}"/>
+              </a:ext>
+            </a:extLst>
+          </p:cNvPr>
+          <p:cNvSpPr txBox="1"/>
+          <p:nvPr/>
+        </p:nvSpPr>
+        <p:spPr>
+          <a:xfrm>
+            <a:off x="530663" y="124574"/>
+            <a:ext cx="2377440" cy="246221"/>
+          </a:xfrm>
+          <a:prstGeom prst="rect">
+            <a:avLst/>
+          </a:prstGeom>
+          <a:noFill/>
+        </p:spPr>
+        <p:txBody>
+          <a:bodyPr wrap="square" lIns="0" tIns="0" rIns="0" bIns="0" rtlCol="0">
+            <a:spAutoFit/>
+          </a:bodyPr>
+          <a:lstStyle/>
+          <a:p>
+            <a:pPr algn="ctr"/>
+            <a:r>
+              <a:rPr lang="en-US" sz="1600" dirty="0"/>
+              <a:t>Azure Blob table</a:t>
+            </a:r>
+            <a:endParaRPr lang="en-US" sz="1600" b="1" dirty="0"/>
+          </a:p>
+        </p:txBody>
+      </p:sp>
+      <p:sp>
+        <p:nvSpPr>
+          <p:cNvPr id="9" name="TextBox 8">
+            <a:extLst>
+              <a:ext uri="{FF2B5EF4-FFF2-40B4-BE49-F238E27FC236}">
+                <a16:creationId xmlns:a16="http://schemas.microsoft.com/office/drawing/2014/main" id="{A49401F8-EB2B-F190-7A48-D4BDA05F1C27}"/>
+              </a:ext>
+            </a:extLst>
+          </p:cNvPr>
+          <p:cNvSpPr txBox="1"/>
+          <p:nvPr/>
+        </p:nvSpPr>
+        <p:spPr>
+          <a:xfrm>
+            <a:off x="1105584" y="579141"/>
+            <a:ext cx="1680479" cy="246221"/>
+          </a:xfrm>
+          <a:prstGeom prst="rect">
+            <a:avLst/>
+          </a:prstGeom>
+          <a:noFill/>
+        </p:spPr>
+        <p:txBody>
+          <a:bodyPr wrap="square" lIns="0" tIns="0" rIns="0" bIns="0" rtlCol="0">
+            <a:spAutoFit/>
+          </a:bodyPr>
+          <a:lstStyle/>
+          <a:p>
+            <a:r>
+              <a:rPr lang="en-US" sz="1600" dirty="0"/>
+              <a:t>Cache (user state)</a:t>
+            </a:r>
+            <a:endParaRPr lang="en-US" sz="1600" b="1" dirty="0"/>
+          </a:p>
+        </p:txBody>
+      </p:sp>
+      <p:cxnSp>
+        <p:nvCxnSpPr>
+          <p:cNvPr id="12" name="Straight Arrow Connector 11">
+            <a:extLst>
+              <a:ext uri="{FF2B5EF4-FFF2-40B4-BE49-F238E27FC236}">
+                <a16:creationId xmlns:a16="http://schemas.microsoft.com/office/drawing/2014/main" id="{290F9AA6-6C59-5606-6413-D413C133392F}"/>
+              </a:ext>
+            </a:extLst>
+          </p:cNvPr>
+          <p:cNvCxnSpPr>
+            <a:cxnSpLocks/>
+          </p:cNvCxnSpPr>
+          <p:nvPr/>
+        </p:nvCxnSpPr>
+        <p:spPr>
+          <a:xfrm flipH="1" flipV="1">
+            <a:off x="706244" y="1055649"/>
+            <a:ext cx="1743" cy="655292"/>
+          </a:xfrm>
+          <a:prstGeom prst="straightConnector1">
+            <a:avLst/>
+          </a:prstGeom>
+          <a:ln>
+            <a:solidFill>
+              <a:schemeClr val="bg2">
+                <a:lumMod val="25000"/>
+              </a:schemeClr>
+            </a:solidFill>
+            <a:tailEnd type="triangle"/>
+          </a:ln>
+        </p:spPr>
+        <p:style>
+          <a:lnRef idx="2">
+            <a:schemeClr val="accent1"/>
+          </a:lnRef>
+          <a:fillRef idx="0">
+            <a:schemeClr val="accent1"/>
+          </a:fillRef>
+          <a:effectRef idx="1">
+            <a:schemeClr val="accent1"/>
+          </a:effectRef>
+          <a:fontRef idx="minor">
+            <a:schemeClr val="tx1"/>
+          </a:fontRef>
+        </p:style>
+      </p:cxnSp>
     </p:spTree>
     <p:extLst>
       <p:ext uri="{BB962C8B-B14F-4D97-AF65-F5344CB8AC3E}">

--- a/help/Presentation.pptx
+++ b/help/Presentation.pptx
@@ -4738,7 +4738,7 @@
           <a:p>
             <a:r>
               <a:rPr lang="en-US" sz="1400" dirty="0"/>
-              <a:t>Read cheche</a:t>
+              <a:t>Read cache</a:t>
             </a:r>
             <a:endParaRPr lang="LID4096" sz="1400" dirty="0" err="1"/>
           </a:p>

--- a/help/Presentation.pptx
+++ b/help/Presentation.pptx
@@ -7,8 +7,9 @@
   <p:sldIdLst>
     <p:sldId id="257" r:id="rId2"/>
     <p:sldId id="259" r:id="rId3"/>
-    <p:sldId id="260" r:id="rId4"/>
-    <p:sldId id="261" r:id="rId5"/>
+    <p:sldId id="262" r:id="rId4"/>
+    <p:sldId id="260" r:id="rId5"/>
+    <p:sldId id="261" r:id="rId6"/>
   </p:sldIdLst>
   <p:sldSz cx="12192000" cy="6858000"/>
   <p:notesSz cx="6858000" cy="9144000"/>
@@ -114,6 +115,7 @@
           <p14:sldIdLst>
             <p14:sldId id="257"/>
             <p14:sldId id="259"/>
+            <p14:sldId id="262"/>
           </p14:sldIdLst>
         </p14:section>
         <p14:section name="Backup" id="{5382AB5E-A604-44D4-91E2-519B5968F5F5}">
@@ -280,7 +282,7 @@
           <a:p>
             <a:fld id="{F8A36679-2C71-4A37-9900-8E9E71191CDA}" type="datetimeFigureOut">
               <a:rPr lang="LID4096" smtClean="0"/>
-              <a:t>05/29/2025</a:t>
+              <a:t>06/23/2025</a:t>
             </a:fld>
             <a:endParaRPr lang="LID4096"/>
           </a:p>
@@ -480,7 +482,7 @@
           <a:p>
             <a:fld id="{F8A36679-2C71-4A37-9900-8E9E71191CDA}" type="datetimeFigureOut">
               <a:rPr lang="LID4096" smtClean="0"/>
-              <a:t>05/29/2025</a:t>
+              <a:t>06/23/2025</a:t>
             </a:fld>
             <a:endParaRPr lang="LID4096"/>
           </a:p>
@@ -690,7 +692,7 @@
           <a:p>
             <a:fld id="{F8A36679-2C71-4A37-9900-8E9E71191CDA}" type="datetimeFigureOut">
               <a:rPr lang="LID4096" smtClean="0"/>
-              <a:t>05/29/2025</a:t>
+              <a:t>06/23/2025</a:t>
             </a:fld>
             <a:endParaRPr lang="LID4096"/>
           </a:p>
@@ -890,7 +892,7 @@
           <a:p>
             <a:fld id="{F8A36679-2C71-4A37-9900-8E9E71191CDA}" type="datetimeFigureOut">
               <a:rPr lang="LID4096" smtClean="0"/>
-              <a:t>05/29/2025</a:t>
+              <a:t>06/23/2025</a:t>
             </a:fld>
             <a:endParaRPr lang="LID4096"/>
           </a:p>
@@ -1166,7 +1168,7 @@
           <a:p>
             <a:fld id="{F8A36679-2C71-4A37-9900-8E9E71191CDA}" type="datetimeFigureOut">
               <a:rPr lang="LID4096" smtClean="0"/>
-              <a:t>05/29/2025</a:t>
+              <a:t>06/23/2025</a:t>
             </a:fld>
             <a:endParaRPr lang="LID4096"/>
           </a:p>
@@ -1434,7 +1436,7 @@
           <a:p>
             <a:fld id="{F8A36679-2C71-4A37-9900-8E9E71191CDA}" type="datetimeFigureOut">
               <a:rPr lang="LID4096" smtClean="0"/>
-              <a:t>05/29/2025</a:t>
+              <a:t>06/23/2025</a:t>
             </a:fld>
             <a:endParaRPr lang="LID4096"/>
           </a:p>
@@ -1849,7 +1851,7 @@
           <a:p>
             <a:fld id="{F8A36679-2C71-4A37-9900-8E9E71191CDA}" type="datetimeFigureOut">
               <a:rPr lang="LID4096" smtClean="0"/>
-              <a:t>05/29/2025</a:t>
+              <a:t>06/23/2025</a:t>
             </a:fld>
             <a:endParaRPr lang="LID4096"/>
           </a:p>
@@ -1991,7 +1993,7 @@
           <a:p>
             <a:fld id="{F8A36679-2C71-4A37-9900-8E9E71191CDA}" type="datetimeFigureOut">
               <a:rPr lang="LID4096" smtClean="0"/>
-              <a:t>05/29/2025</a:t>
+              <a:t>06/23/2025</a:t>
             </a:fld>
             <a:endParaRPr lang="LID4096"/>
           </a:p>
@@ -2104,7 +2106,7 @@
           <a:p>
             <a:fld id="{F8A36679-2C71-4A37-9900-8E9E71191CDA}" type="datetimeFigureOut">
               <a:rPr lang="LID4096" smtClean="0"/>
-              <a:t>05/29/2025</a:t>
+              <a:t>06/23/2025</a:t>
             </a:fld>
             <a:endParaRPr lang="LID4096"/>
           </a:p>
@@ -2417,7 +2419,7 @@
           <a:p>
             <a:fld id="{F8A36679-2C71-4A37-9900-8E9E71191CDA}" type="datetimeFigureOut">
               <a:rPr lang="LID4096" smtClean="0"/>
-              <a:t>05/29/2025</a:t>
+              <a:t>06/23/2025</a:t>
             </a:fld>
             <a:endParaRPr lang="LID4096"/>
           </a:p>
@@ -2706,7 +2708,7 @@
           <a:p>
             <a:fld id="{F8A36679-2C71-4A37-9900-8E9E71191CDA}" type="datetimeFigureOut">
               <a:rPr lang="LID4096" smtClean="0"/>
-              <a:t>05/29/2025</a:t>
+              <a:t>06/23/2025</a:t>
             </a:fld>
             <a:endParaRPr lang="LID4096"/>
           </a:p>
@@ -2949,7 +2951,7 @@
           <a:p>
             <a:fld id="{F8A36679-2C71-4A37-9900-8E9E71191CDA}" type="datetimeFigureOut">
               <a:rPr lang="LID4096" smtClean="0"/>
-              <a:t>05/29/2025</a:t>
+              <a:t>06/23/2025</a:t>
             </a:fld>
             <a:endParaRPr lang="LID4096"/>
           </a:p>
@@ -9445,6 +9447,689 @@
   <p:cSld>
     <p:spTree>
       <p:nvGrpSpPr>
+        <p:cNvPr id="1" name=""/>
+        <p:cNvGrpSpPr/>
+        <p:nvPr/>
+      </p:nvGrpSpPr>
+      <p:grpSpPr>
+        <a:xfrm>
+          <a:off x="0" y="0"/>
+          <a:ext cx="0" cy="0"/>
+          <a:chOff x="0" y="0"/>
+          <a:chExt cx="0" cy="0"/>
+        </a:xfrm>
+      </p:grpSpPr>
+      <p:pic>
+        <p:nvPicPr>
+          <p:cNvPr id="5" name="Picture 4">
+            <a:extLst>
+              <a:ext uri="{FF2B5EF4-FFF2-40B4-BE49-F238E27FC236}">
+                <a16:creationId xmlns:a16="http://schemas.microsoft.com/office/drawing/2014/main" id="{B28B392E-D989-A224-3CB5-86CFBB1DB9AF}"/>
+              </a:ext>
+            </a:extLst>
+          </p:cNvPr>
+          <p:cNvPicPr>
+            <a:picLocks noChangeAspect="1"/>
+          </p:cNvPicPr>
+          <p:nvPr/>
+        </p:nvPicPr>
+        <p:blipFill>
+          <a:blip r:embed="rId2"/>
+          <a:stretch>
+            <a:fillRect/>
+          </a:stretch>
+        </p:blipFill>
+        <p:spPr>
+          <a:xfrm>
+            <a:off x="251936" y="128080"/>
+            <a:ext cx="5786896" cy="3579920"/>
+          </a:xfrm>
+          <a:prstGeom prst="rect">
+            <a:avLst/>
+          </a:prstGeom>
+          <a:ln>
+            <a:solidFill>
+              <a:schemeClr val="bg1">
+                <a:lumMod val="75000"/>
+              </a:schemeClr>
+            </a:solidFill>
+          </a:ln>
+        </p:spPr>
+      </p:pic>
+      <p:pic>
+        <p:nvPicPr>
+          <p:cNvPr id="7" name="Picture 6">
+            <a:extLst>
+              <a:ext uri="{FF2B5EF4-FFF2-40B4-BE49-F238E27FC236}">
+                <a16:creationId xmlns:a16="http://schemas.microsoft.com/office/drawing/2014/main" id="{E438F2DE-7020-C293-ED88-EF6486D8B0E9}"/>
+              </a:ext>
+            </a:extLst>
+          </p:cNvPr>
+          <p:cNvPicPr>
+            <a:picLocks noChangeAspect="1"/>
+          </p:cNvPicPr>
+          <p:nvPr/>
+        </p:nvPicPr>
+        <p:blipFill>
+          <a:blip r:embed="rId3"/>
+          <a:stretch>
+            <a:fillRect/>
+          </a:stretch>
+        </p:blipFill>
+        <p:spPr>
+          <a:xfrm>
+            <a:off x="6364780" y="128080"/>
+            <a:ext cx="5575284" cy="3579920"/>
+          </a:xfrm>
+          <a:prstGeom prst="rect">
+            <a:avLst/>
+          </a:prstGeom>
+          <a:ln>
+            <a:solidFill>
+              <a:schemeClr val="bg1">
+                <a:lumMod val="75000"/>
+              </a:schemeClr>
+            </a:solidFill>
+          </a:ln>
+        </p:spPr>
+      </p:pic>
+      <p:pic>
+        <p:nvPicPr>
+          <p:cNvPr id="11" name="Picture 10">
+            <a:extLst>
+              <a:ext uri="{FF2B5EF4-FFF2-40B4-BE49-F238E27FC236}">
+                <a16:creationId xmlns:a16="http://schemas.microsoft.com/office/drawing/2014/main" id="{92949B4E-A724-F1C8-4F7C-AD52DCF448C7}"/>
+              </a:ext>
+            </a:extLst>
+          </p:cNvPr>
+          <p:cNvPicPr>
+            <a:picLocks noChangeAspect="1"/>
+          </p:cNvPicPr>
+          <p:nvPr/>
+        </p:nvPicPr>
+        <p:blipFill>
+          <a:blip r:embed="rId4"/>
+          <a:stretch>
+            <a:fillRect/>
+          </a:stretch>
+        </p:blipFill>
+        <p:spPr>
+          <a:xfrm>
+            <a:off x="0" y="4207289"/>
+            <a:ext cx="12192000" cy="2650711"/>
+          </a:xfrm>
+          <a:prstGeom prst="rect">
+            <a:avLst/>
+          </a:prstGeom>
+          <a:ln>
+            <a:solidFill>
+              <a:schemeClr val="bg1">
+                <a:lumMod val="75000"/>
+              </a:schemeClr>
+            </a:solidFill>
+          </a:ln>
+        </p:spPr>
+      </p:pic>
+      <p:sp>
+        <p:nvSpPr>
+          <p:cNvPr id="14" name="Oval 13">
+            <a:extLst>
+              <a:ext uri="{FF2B5EF4-FFF2-40B4-BE49-F238E27FC236}">
+                <a16:creationId xmlns:a16="http://schemas.microsoft.com/office/drawing/2014/main" id="{4F976EDA-8BF5-2F5D-7AD1-70D8E9F6C730}"/>
+              </a:ext>
+            </a:extLst>
+          </p:cNvPr>
+          <p:cNvSpPr/>
+          <p:nvPr/>
+        </p:nvSpPr>
+        <p:spPr>
+          <a:xfrm>
+            <a:off x="5837686" y="4871219"/>
+            <a:ext cx="107157" cy="100013"/>
+          </a:xfrm>
+          <a:prstGeom prst="ellipse">
+            <a:avLst/>
+          </a:prstGeom>
+          <a:noFill/>
+          <a:ln>
+            <a:noFill/>
+          </a:ln>
+        </p:spPr>
+        <p:style>
+          <a:lnRef idx="2">
+            <a:schemeClr val="accent1">
+              <a:shade val="15000"/>
+            </a:schemeClr>
+          </a:lnRef>
+          <a:fillRef idx="1">
+            <a:schemeClr val="accent1"/>
+          </a:fillRef>
+          <a:effectRef idx="0">
+            <a:schemeClr val="accent1"/>
+          </a:effectRef>
+          <a:fontRef idx="minor">
+            <a:schemeClr val="lt1"/>
+          </a:fontRef>
+        </p:style>
+        <p:txBody>
+          <a:bodyPr rtlCol="0" anchor="ctr"/>
+          <a:lstStyle/>
+          <a:p>
+            <a:pPr algn="ctr"/>
+            <a:endParaRPr lang="LID4096"/>
+          </a:p>
+        </p:txBody>
+      </p:sp>
+      <p:sp>
+        <p:nvSpPr>
+          <p:cNvPr id="15" name="Oval 14">
+            <a:extLst>
+              <a:ext uri="{FF2B5EF4-FFF2-40B4-BE49-F238E27FC236}">
+                <a16:creationId xmlns:a16="http://schemas.microsoft.com/office/drawing/2014/main" id="{CDF20E87-6229-BA20-5324-F19EF10E72FB}"/>
+              </a:ext>
+            </a:extLst>
+          </p:cNvPr>
+          <p:cNvSpPr/>
+          <p:nvPr/>
+        </p:nvSpPr>
+        <p:spPr>
+          <a:xfrm>
+            <a:off x="3590456" y="5882081"/>
+            <a:ext cx="107157" cy="100013"/>
+          </a:xfrm>
+          <a:prstGeom prst="ellipse">
+            <a:avLst/>
+          </a:prstGeom>
+          <a:solidFill>
+            <a:schemeClr val="bg1"/>
+          </a:solidFill>
+          <a:ln>
+            <a:solidFill>
+              <a:schemeClr val="bg1"/>
+            </a:solidFill>
+          </a:ln>
+        </p:spPr>
+        <p:style>
+          <a:lnRef idx="2">
+            <a:schemeClr val="accent1">
+              <a:shade val="15000"/>
+            </a:schemeClr>
+          </a:lnRef>
+          <a:fillRef idx="1">
+            <a:schemeClr val="accent1"/>
+          </a:fillRef>
+          <a:effectRef idx="0">
+            <a:schemeClr val="accent1"/>
+          </a:effectRef>
+          <a:fontRef idx="minor">
+            <a:schemeClr val="lt1"/>
+          </a:fontRef>
+        </p:style>
+        <p:txBody>
+          <a:bodyPr rtlCol="0" anchor="ctr"/>
+          <a:lstStyle/>
+          <a:p>
+            <a:pPr algn="ctr"/>
+            <a:endParaRPr lang="LID4096"/>
+          </a:p>
+        </p:txBody>
+      </p:sp>
+      <p:sp>
+        <p:nvSpPr>
+          <p:cNvPr id="16" name="Oval 15">
+            <a:extLst>
+              <a:ext uri="{FF2B5EF4-FFF2-40B4-BE49-F238E27FC236}">
+                <a16:creationId xmlns:a16="http://schemas.microsoft.com/office/drawing/2014/main" id="{134FD648-8AF1-A0FE-0646-13891D9E41B7}"/>
+              </a:ext>
+            </a:extLst>
+          </p:cNvPr>
+          <p:cNvSpPr/>
+          <p:nvPr/>
+        </p:nvSpPr>
+        <p:spPr>
+          <a:xfrm>
+            <a:off x="4080056" y="2944481"/>
+            <a:ext cx="107157" cy="100013"/>
+          </a:xfrm>
+          <a:prstGeom prst="ellipse">
+            <a:avLst/>
+          </a:prstGeom>
+          <a:noFill/>
+          <a:ln>
+            <a:noFill/>
+          </a:ln>
+        </p:spPr>
+        <p:style>
+          <a:lnRef idx="2">
+            <a:schemeClr val="accent1">
+              <a:shade val="15000"/>
+            </a:schemeClr>
+          </a:lnRef>
+          <a:fillRef idx="1">
+            <a:schemeClr val="accent1"/>
+          </a:fillRef>
+          <a:effectRef idx="0">
+            <a:schemeClr val="accent1"/>
+          </a:effectRef>
+          <a:fontRef idx="minor">
+            <a:schemeClr val="lt1"/>
+          </a:fontRef>
+        </p:style>
+        <p:txBody>
+          <a:bodyPr rtlCol="0" anchor="ctr"/>
+          <a:lstStyle/>
+          <a:p>
+            <a:pPr algn="ctr"/>
+            <a:endParaRPr lang="LID4096"/>
+          </a:p>
+        </p:txBody>
+      </p:sp>
+      <p:cxnSp>
+        <p:nvCxnSpPr>
+          <p:cNvPr id="18" name="Straight Arrow Connector 17">
+            <a:extLst>
+              <a:ext uri="{FF2B5EF4-FFF2-40B4-BE49-F238E27FC236}">
+                <a16:creationId xmlns:a16="http://schemas.microsoft.com/office/drawing/2014/main" id="{FF21DA4E-BD4C-EF48-AA1E-AA51898CA9D5}"/>
+              </a:ext>
+            </a:extLst>
+          </p:cNvPr>
+          <p:cNvCxnSpPr>
+            <a:stCxn id="16" idx="4"/>
+            <a:endCxn id="14" idx="7"/>
+          </p:cNvCxnSpPr>
+          <p:nvPr/>
+        </p:nvCxnSpPr>
+        <p:spPr>
+          <a:xfrm>
+            <a:off x="4133635" y="3044494"/>
+            <a:ext cx="1795515" cy="1841372"/>
+          </a:xfrm>
+          <a:prstGeom prst="straightConnector1">
+            <a:avLst/>
+          </a:prstGeom>
+          <a:ln>
+            <a:tailEnd type="triangle"/>
+          </a:ln>
+        </p:spPr>
+        <p:style>
+          <a:lnRef idx="2">
+            <a:schemeClr val="accent1"/>
+          </a:lnRef>
+          <a:fillRef idx="0">
+            <a:schemeClr val="accent1"/>
+          </a:fillRef>
+          <a:effectRef idx="1">
+            <a:schemeClr val="accent1"/>
+          </a:effectRef>
+          <a:fontRef idx="minor">
+            <a:schemeClr val="tx1"/>
+          </a:fontRef>
+        </p:style>
+      </p:cxnSp>
+      <p:cxnSp>
+        <p:nvCxnSpPr>
+          <p:cNvPr id="20" name="Straight Arrow Connector 19">
+            <a:extLst>
+              <a:ext uri="{FF2B5EF4-FFF2-40B4-BE49-F238E27FC236}">
+                <a16:creationId xmlns:a16="http://schemas.microsoft.com/office/drawing/2014/main" id="{BA1D0462-AAA0-5B51-771A-8BC6C6B8F428}"/>
+              </a:ext>
+            </a:extLst>
+          </p:cNvPr>
+          <p:cNvCxnSpPr>
+            <a:cxnSpLocks/>
+            <a:stCxn id="16" idx="4"/>
+            <a:endCxn id="15" idx="3"/>
+          </p:cNvCxnSpPr>
+          <p:nvPr/>
+        </p:nvCxnSpPr>
+        <p:spPr>
+          <a:xfrm flipH="1">
+            <a:off x="3606149" y="3044494"/>
+            <a:ext cx="527486" cy="2922953"/>
+          </a:xfrm>
+          <a:prstGeom prst="straightConnector1">
+            <a:avLst/>
+          </a:prstGeom>
+          <a:ln>
+            <a:tailEnd type="triangle"/>
+          </a:ln>
+        </p:spPr>
+        <p:style>
+          <a:lnRef idx="2">
+            <a:schemeClr val="accent1"/>
+          </a:lnRef>
+          <a:fillRef idx="0">
+            <a:schemeClr val="accent1"/>
+          </a:fillRef>
+          <a:effectRef idx="1">
+            <a:schemeClr val="accent1"/>
+          </a:effectRef>
+          <a:fontRef idx="minor">
+            <a:schemeClr val="tx1"/>
+          </a:fontRef>
+        </p:style>
+      </p:cxnSp>
+      <p:sp>
+        <p:nvSpPr>
+          <p:cNvPr id="23" name="Oval 22">
+            <a:extLst>
+              <a:ext uri="{FF2B5EF4-FFF2-40B4-BE49-F238E27FC236}">
+                <a16:creationId xmlns:a16="http://schemas.microsoft.com/office/drawing/2014/main" id="{1D6D88FB-9A3F-AE4F-C2AC-1820CFF72DC2}"/>
+              </a:ext>
+            </a:extLst>
+          </p:cNvPr>
+          <p:cNvSpPr/>
+          <p:nvPr/>
+        </p:nvSpPr>
+        <p:spPr>
+          <a:xfrm>
+            <a:off x="5161256" y="6228881"/>
+            <a:ext cx="107157" cy="100013"/>
+          </a:xfrm>
+          <a:prstGeom prst="ellipse">
+            <a:avLst/>
+          </a:prstGeom>
+          <a:solidFill>
+            <a:schemeClr val="bg1"/>
+          </a:solidFill>
+          <a:ln>
+            <a:solidFill>
+              <a:schemeClr val="bg1"/>
+            </a:solidFill>
+          </a:ln>
+        </p:spPr>
+        <p:style>
+          <a:lnRef idx="2">
+            <a:schemeClr val="accent1">
+              <a:shade val="15000"/>
+            </a:schemeClr>
+          </a:lnRef>
+          <a:fillRef idx="1">
+            <a:schemeClr val="accent1"/>
+          </a:fillRef>
+          <a:effectRef idx="0">
+            <a:schemeClr val="accent1"/>
+          </a:effectRef>
+          <a:fontRef idx="minor">
+            <a:schemeClr val="lt1"/>
+          </a:fontRef>
+        </p:style>
+        <p:txBody>
+          <a:bodyPr rtlCol="0" anchor="ctr"/>
+          <a:lstStyle/>
+          <a:p>
+            <a:pPr algn="ctr"/>
+            <a:endParaRPr lang="LID4096"/>
+          </a:p>
+        </p:txBody>
+      </p:sp>
+      <p:sp>
+        <p:nvSpPr>
+          <p:cNvPr id="24" name="Oval 23">
+            <a:extLst>
+              <a:ext uri="{FF2B5EF4-FFF2-40B4-BE49-F238E27FC236}">
+                <a16:creationId xmlns:a16="http://schemas.microsoft.com/office/drawing/2014/main" id="{CB6EB8AD-2D1C-2161-AC3C-B3306A91314A}"/>
+              </a:ext>
+            </a:extLst>
+          </p:cNvPr>
+          <p:cNvSpPr/>
+          <p:nvPr/>
+        </p:nvSpPr>
+        <p:spPr>
+          <a:xfrm>
+            <a:off x="6976856" y="2349281"/>
+            <a:ext cx="107157" cy="100013"/>
+          </a:xfrm>
+          <a:prstGeom prst="ellipse">
+            <a:avLst/>
+          </a:prstGeom>
+          <a:noFill/>
+          <a:ln>
+            <a:noFill/>
+          </a:ln>
+        </p:spPr>
+        <p:style>
+          <a:lnRef idx="2">
+            <a:schemeClr val="accent1">
+              <a:shade val="15000"/>
+            </a:schemeClr>
+          </a:lnRef>
+          <a:fillRef idx="1">
+            <a:schemeClr val="accent1"/>
+          </a:fillRef>
+          <a:effectRef idx="0">
+            <a:schemeClr val="accent1"/>
+          </a:effectRef>
+          <a:fontRef idx="minor">
+            <a:schemeClr val="lt1"/>
+          </a:fontRef>
+        </p:style>
+        <p:txBody>
+          <a:bodyPr rtlCol="0" anchor="ctr"/>
+          <a:lstStyle/>
+          <a:p>
+            <a:pPr algn="ctr"/>
+            <a:endParaRPr lang="LID4096"/>
+          </a:p>
+        </p:txBody>
+      </p:sp>
+      <p:cxnSp>
+        <p:nvCxnSpPr>
+          <p:cNvPr id="26" name="Connector: Elbow 25">
+            <a:extLst>
+              <a:ext uri="{FF2B5EF4-FFF2-40B4-BE49-F238E27FC236}">
+                <a16:creationId xmlns:a16="http://schemas.microsoft.com/office/drawing/2014/main" id="{3ED2DC9C-2FE6-4AC4-548B-885A030C71DF}"/>
+              </a:ext>
+            </a:extLst>
+          </p:cNvPr>
+          <p:cNvCxnSpPr>
+            <a:stCxn id="24" idx="2"/>
+            <a:endCxn id="23" idx="6"/>
+          </p:cNvCxnSpPr>
+          <p:nvPr/>
+        </p:nvCxnSpPr>
+        <p:spPr>
+          <a:xfrm rot="10800000" flipV="1">
+            <a:off x="5268414" y="2399288"/>
+            <a:ext cx="1708443" cy="3879600"/>
+          </a:xfrm>
+          <a:prstGeom prst="bentConnector3">
+            <a:avLst/>
+          </a:prstGeom>
+          <a:ln>
+            <a:solidFill>
+              <a:srgbClr val="FF0000"/>
+            </a:solidFill>
+            <a:tailEnd type="triangle"/>
+          </a:ln>
+        </p:spPr>
+        <p:style>
+          <a:lnRef idx="2">
+            <a:schemeClr val="accent1"/>
+          </a:lnRef>
+          <a:fillRef idx="0">
+            <a:schemeClr val="accent1"/>
+          </a:fillRef>
+          <a:effectRef idx="1">
+            <a:schemeClr val="accent1"/>
+          </a:effectRef>
+          <a:fontRef idx="minor">
+            <a:schemeClr val="tx1"/>
+          </a:fontRef>
+        </p:style>
+      </p:cxnSp>
+      <p:sp>
+        <p:nvSpPr>
+          <p:cNvPr id="27" name="Rectangle 26">
+            <a:extLst>
+              <a:ext uri="{FF2B5EF4-FFF2-40B4-BE49-F238E27FC236}">
+                <a16:creationId xmlns:a16="http://schemas.microsoft.com/office/drawing/2014/main" id="{E45DD1D9-D868-A9BB-0096-677D5869ABC2}"/>
+              </a:ext>
+            </a:extLst>
+          </p:cNvPr>
+          <p:cNvSpPr/>
+          <p:nvPr/>
+        </p:nvSpPr>
+        <p:spPr>
+          <a:xfrm>
+            <a:off x="7340394" y="3168827"/>
+            <a:ext cx="1907382" cy="114300"/>
+          </a:xfrm>
+          <a:prstGeom prst="rect">
+            <a:avLst/>
+          </a:prstGeom>
+          <a:noFill/>
+          <a:ln w="19050">
+            <a:solidFill>
+              <a:srgbClr val="00B050"/>
+            </a:solidFill>
+          </a:ln>
+        </p:spPr>
+        <p:style>
+          <a:lnRef idx="2">
+            <a:schemeClr val="accent1">
+              <a:shade val="15000"/>
+            </a:schemeClr>
+          </a:lnRef>
+          <a:fillRef idx="1">
+            <a:schemeClr val="accent1"/>
+          </a:fillRef>
+          <a:effectRef idx="0">
+            <a:schemeClr val="accent1"/>
+          </a:effectRef>
+          <a:fontRef idx="minor">
+            <a:schemeClr val="lt1"/>
+          </a:fontRef>
+        </p:style>
+        <p:txBody>
+          <a:bodyPr rtlCol="0" anchor="ctr"/>
+          <a:lstStyle/>
+          <a:p>
+            <a:pPr algn="ctr"/>
+            <a:endParaRPr lang="LID4096"/>
+          </a:p>
+        </p:txBody>
+      </p:sp>
+      <p:sp>
+        <p:nvSpPr>
+          <p:cNvPr id="28" name="Oval 27">
+            <a:extLst>
+              <a:ext uri="{FF2B5EF4-FFF2-40B4-BE49-F238E27FC236}">
+                <a16:creationId xmlns:a16="http://schemas.microsoft.com/office/drawing/2014/main" id="{F65C45F1-2281-D000-9BD8-59FB1DEDA99E}"/>
+              </a:ext>
+            </a:extLst>
+          </p:cNvPr>
+          <p:cNvSpPr/>
+          <p:nvPr/>
+        </p:nvSpPr>
+        <p:spPr>
+          <a:xfrm>
+            <a:off x="5123423" y="6443427"/>
+            <a:ext cx="107157" cy="100013"/>
+          </a:xfrm>
+          <a:prstGeom prst="ellipse">
+            <a:avLst/>
+          </a:prstGeom>
+          <a:solidFill>
+            <a:schemeClr val="bg1"/>
+          </a:solidFill>
+          <a:ln>
+            <a:solidFill>
+              <a:schemeClr val="bg1"/>
+            </a:solidFill>
+          </a:ln>
+        </p:spPr>
+        <p:style>
+          <a:lnRef idx="2">
+            <a:schemeClr val="accent1">
+              <a:shade val="15000"/>
+            </a:schemeClr>
+          </a:lnRef>
+          <a:fillRef idx="1">
+            <a:schemeClr val="accent1"/>
+          </a:fillRef>
+          <a:effectRef idx="0">
+            <a:schemeClr val="accent1"/>
+          </a:effectRef>
+          <a:fontRef idx="minor">
+            <a:schemeClr val="lt1"/>
+          </a:fontRef>
+        </p:style>
+        <p:txBody>
+          <a:bodyPr rtlCol="0" anchor="ctr"/>
+          <a:lstStyle/>
+          <a:p>
+            <a:pPr algn="ctr"/>
+            <a:endParaRPr lang="LID4096"/>
+          </a:p>
+        </p:txBody>
+      </p:sp>
+      <p:cxnSp>
+        <p:nvCxnSpPr>
+          <p:cNvPr id="30" name="Connector: Elbow 29">
+            <a:extLst>
+              <a:ext uri="{FF2B5EF4-FFF2-40B4-BE49-F238E27FC236}">
+                <a16:creationId xmlns:a16="http://schemas.microsoft.com/office/drawing/2014/main" id="{2571D839-4223-2197-629D-60499497F9C8}"/>
+              </a:ext>
+            </a:extLst>
+          </p:cNvPr>
+          <p:cNvCxnSpPr>
+            <a:cxnSpLocks/>
+            <a:stCxn id="27" idx="1"/>
+            <a:endCxn id="28" idx="6"/>
+          </p:cNvCxnSpPr>
+          <p:nvPr/>
+        </p:nvCxnSpPr>
+        <p:spPr>
+          <a:xfrm rot="10800000" flipV="1">
+            <a:off x="5230580" y="3225976"/>
+            <a:ext cx="2109814" cy="3267457"/>
+          </a:xfrm>
+          <a:prstGeom prst="bentConnector3">
+            <a:avLst>
+              <a:gd name="adj1" fmla="val 50000"/>
+            </a:avLst>
+          </a:prstGeom>
+          <a:ln>
+            <a:solidFill>
+              <a:srgbClr val="00B050"/>
+            </a:solidFill>
+            <a:tailEnd type="triangle"/>
+          </a:ln>
+        </p:spPr>
+        <p:style>
+          <a:lnRef idx="2">
+            <a:schemeClr val="accent1"/>
+          </a:lnRef>
+          <a:fillRef idx="0">
+            <a:schemeClr val="accent1"/>
+          </a:fillRef>
+          <a:effectRef idx="1">
+            <a:schemeClr val="accent1"/>
+          </a:effectRef>
+          <a:fontRef idx="minor">
+            <a:schemeClr val="tx1"/>
+          </a:fontRef>
+        </p:style>
+      </p:cxnSp>
+    </p:spTree>
+    <p:extLst>
+      <p:ext uri="{BB962C8B-B14F-4D97-AF65-F5344CB8AC3E}">
+        <p14:creationId xmlns:p14="http://schemas.microsoft.com/office/powerpoint/2010/main" val="2962975525"/>
+      </p:ext>
+    </p:extLst>
+  </p:cSld>
+  <p:clrMapOvr>
+    <a:masterClrMapping/>
+  </p:clrMapOvr>
+</p:sld>
+</file>
+
+<file path=ppt/slides/slide4.xml><?xml version="1.0" encoding="utf-8"?>
+<p:sld xmlns:a="http://schemas.openxmlformats.org/drawingml/2006/main" xmlns:r="http://schemas.openxmlformats.org/officeDocument/2006/relationships" xmlns:p="http://schemas.openxmlformats.org/presentationml/2006/main">
+  <p:cSld>
+    <p:spTree>
+      <p:nvGrpSpPr>
         <p:cNvPr id="1" name="">
           <a:extLst>
             <a:ext uri="{FF2B5EF4-FFF2-40B4-BE49-F238E27FC236}">
@@ -12613,7 +13298,7 @@
 </p:sld>
 </file>
 
-<file path=ppt/slides/slide4.xml><?xml version="1.0" encoding="utf-8"?>
+<file path=ppt/slides/slide5.xml><?xml version="1.0" encoding="utf-8"?>
 <p:sld xmlns:a="http://schemas.openxmlformats.org/drawingml/2006/main" xmlns:r="http://schemas.openxmlformats.org/officeDocument/2006/relationships" xmlns:p="http://schemas.openxmlformats.org/presentationml/2006/main">
   <p:cSld>
     <p:spTree>

--- a/help/Presentation.pptx
+++ b/help/Presentation.pptx
@@ -9459,6 +9459,62 @@
           <a:chExt cx="0" cy="0"/>
         </a:xfrm>
       </p:grpSpPr>
+      <p:sp>
+        <p:nvSpPr>
+          <p:cNvPr id="32" name="Rectangle 31">
+            <a:extLst>
+              <a:ext uri="{FF2B5EF4-FFF2-40B4-BE49-F238E27FC236}">
+                <a16:creationId xmlns:a16="http://schemas.microsoft.com/office/drawing/2014/main" id="{6AC66ECE-21EC-466C-F77B-DF122476DC4A}"/>
+              </a:ext>
+            </a:extLst>
+          </p:cNvPr>
+          <p:cNvSpPr/>
+          <p:nvPr/>
+        </p:nvSpPr>
+        <p:spPr>
+          <a:xfrm>
+            <a:off x="0" y="0"/>
+            <a:ext cx="12192000" cy="6858000"/>
+          </a:xfrm>
+          <a:prstGeom prst="rect">
+            <a:avLst/>
+          </a:prstGeom>
+          <a:solidFill>
+            <a:schemeClr val="bg1"/>
+          </a:solidFill>
+          <a:ln>
+            <a:solidFill>
+              <a:schemeClr val="bg1">
+                <a:lumMod val="75000"/>
+              </a:schemeClr>
+            </a:solidFill>
+          </a:ln>
+        </p:spPr>
+        <p:style>
+          <a:lnRef idx="2">
+            <a:schemeClr val="accent1">
+              <a:shade val="15000"/>
+            </a:schemeClr>
+          </a:lnRef>
+          <a:fillRef idx="1">
+            <a:schemeClr val="accent1"/>
+          </a:fillRef>
+          <a:effectRef idx="0">
+            <a:schemeClr val="accent1"/>
+          </a:effectRef>
+          <a:fontRef idx="minor">
+            <a:schemeClr val="lt1"/>
+          </a:fontRef>
+        </p:style>
+        <p:txBody>
+          <a:bodyPr rtlCol="0" anchor="ctr"/>
+          <a:lstStyle/>
+          <a:p>
+            <a:pPr algn="ctr"/>
+            <a:endParaRPr lang="LID4096"/>
+          </a:p>
+        </p:txBody>
+      </p:sp>
       <p:pic>
         <p:nvPicPr>
           <p:cNvPr id="5" name="Picture 4">
